--- a/Milestone01_LukasFiorio.pptx
+++ b/Milestone01_LukasFiorio.pptx
@@ -4,9 +4,12 @@
   <p:sldMasterIdLst>
     <p:sldMasterId id="2147483648" r:id="rId1"/>
   </p:sldMasterIdLst>
+  <p:notesMasterIdLst>
+    <p:notesMasterId r:id="rId4"/>
+  </p:notesMasterIdLst>
   <p:sldIdLst>
-    <p:sldId id="258" r:id="rId2"/>
-    <p:sldId id="259" r:id="rId3"/>
+    <p:sldId id="262" r:id="rId2"/>
+    <p:sldId id="261" r:id="rId3"/>
   </p:sldIdLst>
   <p:sldSz cx="12192000" cy="6858000"/>
   <p:notesSz cx="6858000" cy="9144000"/>
@@ -113,6 +116,439 @@
 </p:presentation>
 </file>
 
+<file path=ppt/notesMasters/notesMaster1.xml><?xml version="1.0" encoding="utf-8"?>
+<p:notesMaster xmlns:a="http://schemas.openxmlformats.org/drawingml/2006/main" xmlns:r="http://schemas.openxmlformats.org/officeDocument/2006/relationships" xmlns:p="http://schemas.openxmlformats.org/presentationml/2006/main">
+  <p:cSld>
+    <p:bg>
+      <p:bgRef idx="1001">
+        <a:schemeClr val="bg1"/>
+      </p:bgRef>
+    </p:bg>
+    <p:spTree>
+      <p:nvGrpSpPr>
+        <p:cNvPr id="1" name=""/>
+        <p:cNvGrpSpPr/>
+        <p:nvPr/>
+      </p:nvGrpSpPr>
+      <p:grpSpPr>
+        <a:xfrm>
+          <a:off x="0" y="0"/>
+          <a:ext cx="0" cy="0"/>
+          <a:chOff x="0" y="0"/>
+          <a:chExt cx="0" cy="0"/>
+        </a:xfrm>
+      </p:grpSpPr>
+      <p:sp>
+        <p:nvSpPr>
+          <p:cNvPr id="2" name="Header Placeholder 1"/>
+          <p:cNvSpPr>
+            <a:spLocks noGrp="1"/>
+          </p:cNvSpPr>
+          <p:nvPr>
+            <p:ph type="hdr" sz="quarter"/>
+          </p:nvPr>
+        </p:nvSpPr>
+        <p:spPr>
+          <a:xfrm>
+            <a:off x="0" y="0"/>
+            <a:ext cx="2971800" cy="458788"/>
+          </a:xfrm>
+          <a:prstGeom prst="rect">
+            <a:avLst/>
+          </a:prstGeom>
+        </p:spPr>
+        <p:txBody>
+          <a:bodyPr vert="horz" lIns="91440" tIns="45720" rIns="91440" bIns="45720" rtlCol="0"/>
+          <a:lstStyle>
+            <a:lvl1pPr algn="l">
+              <a:defRPr sz="1200"/>
+            </a:lvl1pPr>
+          </a:lstStyle>
+          <a:p>
+            <a:endParaRPr lang="en-US"/>
+          </a:p>
+        </p:txBody>
+      </p:sp>
+      <p:sp>
+        <p:nvSpPr>
+          <p:cNvPr id="3" name="Date Placeholder 2"/>
+          <p:cNvSpPr>
+            <a:spLocks noGrp="1"/>
+          </p:cNvSpPr>
+          <p:nvPr>
+            <p:ph type="dt" idx="1"/>
+          </p:nvPr>
+        </p:nvSpPr>
+        <p:spPr>
+          <a:xfrm>
+            <a:off x="3884613" y="0"/>
+            <a:ext cx="2971800" cy="458788"/>
+          </a:xfrm>
+          <a:prstGeom prst="rect">
+            <a:avLst/>
+          </a:prstGeom>
+        </p:spPr>
+        <p:txBody>
+          <a:bodyPr vert="horz" lIns="91440" tIns="45720" rIns="91440" bIns="45720" rtlCol="0"/>
+          <a:lstStyle>
+            <a:lvl1pPr algn="r">
+              <a:defRPr sz="1200"/>
+            </a:lvl1pPr>
+          </a:lstStyle>
+          <a:p>
+            <a:fld id="{246F6536-6EB1-C449-93BE-3E242A852F7C}" type="datetimeFigureOut">
+              <a:rPr lang="en-US" smtClean="0"/>
+              <a:t>12/5/20</a:t>
+            </a:fld>
+            <a:endParaRPr lang="en-US"/>
+          </a:p>
+        </p:txBody>
+      </p:sp>
+      <p:sp>
+        <p:nvSpPr>
+          <p:cNvPr id="4" name="Slide Image Placeholder 3"/>
+          <p:cNvSpPr>
+            <a:spLocks noGrp="1" noRot="1" noChangeAspect="1"/>
+          </p:cNvSpPr>
+          <p:nvPr>
+            <p:ph type="sldImg" idx="2"/>
+          </p:nvPr>
+        </p:nvSpPr>
+        <p:spPr>
+          <a:xfrm>
+            <a:off x="685800" y="1143000"/>
+            <a:ext cx="5486400" cy="3086100"/>
+          </a:xfrm>
+          <a:prstGeom prst="rect">
+            <a:avLst/>
+          </a:prstGeom>
+          <a:noFill/>
+          <a:ln w="12700">
+            <a:solidFill>
+              <a:prstClr val="black"/>
+            </a:solidFill>
+          </a:ln>
+        </p:spPr>
+        <p:txBody>
+          <a:bodyPr vert="horz" lIns="91440" tIns="45720" rIns="91440" bIns="45720" rtlCol="0" anchor="ctr"/>
+          <a:lstStyle/>
+          <a:p>
+            <a:endParaRPr lang="en-US"/>
+          </a:p>
+        </p:txBody>
+      </p:sp>
+      <p:sp>
+        <p:nvSpPr>
+          <p:cNvPr id="5" name="Notes Placeholder 4"/>
+          <p:cNvSpPr>
+            <a:spLocks noGrp="1"/>
+          </p:cNvSpPr>
+          <p:nvPr>
+            <p:ph type="body" sz="quarter" idx="3"/>
+          </p:nvPr>
+        </p:nvSpPr>
+        <p:spPr>
+          <a:xfrm>
+            <a:off x="685800" y="4400550"/>
+            <a:ext cx="5486400" cy="3600450"/>
+          </a:xfrm>
+          <a:prstGeom prst="rect">
+            <a:avLst/>
+          </a:prstGeom>
+        </p:spPr>
+        <p:txBody>
+          <a:bodyPr vert="horz" lIns="91440" tIns="45720" rIns="91440" bIns="45720" rtlCol="0"/>
+          <a:lstStyle/>
+          <a:p>
+            <a:pPr lvl="0"/>
+            <a:r>
+              <a:rPr lang="en-US"/>
+              <a:t>Click to edit Master text styles</a:t>
+            </a:r>
+          </a:p>
+          <a:p>
+            <a:pPr lvl="1"/>
+            <a:r>
+              <a:rPr lang="en-US"/>
+              <a:t>Second level</a:t>
+            </a:r>
+          </a:p>
+          <a:p>
+            <a:pPr lvl="2"/>
+            <a:r>
+              <a:rPr lang="en-US"/>
+              <a:t>Third level</a:t>
+            </a:r>
+          </a:p>
+          <a:p>
+            <a:pPr lvl="3"/>
+            <a:r>
+              <a:rPr lang="en-US"/>
+              <a:t>Fourth level</a:t>
+            </a:r>
+          </a:p>
+          <a:p>
+            <a:pPr lvl="4"/>
+            <a:r>
+              <a:rPr lang="en-US"/>
+              <a:t>Fifth level</a:t>
+            </a:r>
+          </a:p>
+        </p:txBody>
+      </p:sp>
+      <p:sp>
+        <p:nvSpPr>
+          <p:cNvPr id="6" name="Footer Placeholder 5"/>
+          <p:cNvSpPr>
+            <a:spLocks noGrp="1"/>
+          </p:cNvSpPr>
+          <p:nvPr>
+            <p:ph type="ftr" sz="quarter" idx="4"/>
+          </p:nvPr>
+        </p:nvSpPr>
+        <p:spPr>
+          <a:xfrm>
+            <a:off x="0" y="8685213"/>
+            <a:ext cx="2971800" cy="458787"/>
+          </a:xfrm>
+          <a:prstGeom prst="rect">
+            <a:avLst/>
+          </a:prstGeom>
+        </p:spPr>
+        <p:txBody>
+          <a:bodyPr vert="horz" lIns="91440" tIns="45720" rIns="91440" bIns="45720" rtlCol="0" anchor="b"/>
+          <a:lstStyle>
+            <a:lvl1pPr algn="l">
+              <a:defRPr sz="1200"/>
+            </a:lvl1pPr>
+          </a:lstStyle>
+          <a:p>
+            <a:endParaRPr lang="en-US"/>
+          </a:p>
+        </p:txBody>
+      </p:sp>
+      <p:sp>
+        <p:nvSpPr>
+          <p:cNvPr id="7" name="Slide Number Placeholder 6"/>
+          <p:cNvSpPr>
+            <a:spLocks noGrp="1"/>
+          </p:cNvSpPr>
+          <p:nvPr>
+            <p:ph type="sldNum" sz="quarter" idx="5"/>
+          </p:nvPr>
+        </p:nvSpPr>
+        <p:spPr>
+          <a:xfrm>
+            <a:off x="3884613" y="8685213"/>
+            <a:ext cx="2971800" cy="458787"/>
+          </a:xfrm>
+          <a:prstGeom prst="rect">
+            <a:avLst/>
+          </a:prstGeom>
+        </p:spPr>
+        <p:txBody>
+          <a:bodyPr vert="horz" lIns="91440" tIns="45720" rIns="91440" bIns="45720" rtlCol="0" anchor="b"/>
+          <a:lstStyle>
+            <a:lvl1pPr algn="r">
+              <a:defRPr sz="1200"/>
+            </a:lvl1pPr>
+          </a:lstStyle>
+          <a:p>
+            <a:fld id="{6CC69B10-8BD3-C044-BFD9-9C89EDBFB9AD}" type="slidenum">
+              <a:rPr lang="en-US" smtClean="0"/>
+              <a:t>‹#›</a:t>
+            </a:fld>
+            <a:endParaRPr lang="en-US"/>
+          </a:p>
+        </p:txBody>
+      </p:sp>
+    </p:spTree>
+    <p:extLst>
+      <p:ext uri="{BB962C8B-B14F-4D97-AF65-F5344CB8AC3E}">
+        <p14:creationId xmlns:p14="http://schemas.microsoft.com/office/powerpoint/2010/main" val="2751177466"/>
+      </p:ext>
+    </p:extLst>
+  </p:cSld>
+  <p:clrMap bg1="lt1" tx1="dk1" bg2="lt2" tx2="dk2" accent1="accent1" accent2="accent2" accent3="accent3" accent4="accent4" accent5="accent5" accent6="accent6" hlink="hlink" folHlink="folHlink"/>
+  <p:notesStyle>
+    <a:lvl1pPr marL="0" algn="l" defTabSz="914400" rtl="0" eaLnBrk="1" latinLnBrk="0" hangingPunct="1">
+      <a:defRPr sz="1200" kern="1200">
+        <a:solidFill>
+          <a:schemeClr val="tx1"/>
+        </a:solidFill>
+        <a:latin typeface="+mn-lt"/>
+        <a:ea typeface="+mn-ea"/>
+        <a:cs typeface="+mn-cs"/>
+      </a:defRPr>
+    </a:lvl1pPr>
+    <a:lvl2pPr marL="457200" algn="l" defTabSz="914400" rtl="0" eaLnBrk="1" latinLnBrk="0" hangingPunct="1">
+      <a:defRPr sz="1200" kern="1200">
+        <a:solidFill>
+          <a:schemeClr val="tx1"/>
+        </a:solidFill>
+        <a:latin typeface="+mn-lt"/>
+        <a:ea typeface="+mn-ea"/>
+        <a:cs typeface="+mn-cs"/>
+      </a:defRPr>
+    </a:lvl2pPr>
+    <a:lvl3pPr marL="914400" algn="l" defTabSz="914400" rtl="0" eaLnBrk="1" latinLnBrk="0" hangingPunct="1">
+      <a:defRPr sz="1200" kern="1200">
+        <a:solidFill>
+          <a:schemeClr val="tx1"/>
+        </a:solidFill>
+        <a:latin typeface="+mn-lt"/>
+        <a:ea typeface="+mn-ea"/>
+        <a:cs typeface="+mn-cs"/>
+      </a:defRPr>
+    </a:lvl3pPr>
+    <a:lvl4pPr marL="1371600" algn="l" defTabSz="914400" rtl="0" eaLnBrk="1" latinLnBrk="0" hangingPunct="1">
+      <a:defRPr sz="1200" kern="1200">
+        <a:solidFill>
+          <a:schemeClr val="tx1"/>
+        </a:solidFill>
+        <a:latin typeface="+mn-lt"/>
+        <a:ea typeface="+mn-ea"/>
+        <a:cs typeface="+mn-cs"/>
+      </a:defRPr>
+    </a:lvl4pPr>
+    <a:lvl5pPr marL="1828800" algn="l" defTabSz="914400" rtl="0" eaLnBrk="1" latinLnBrk="0" hangingPunct="1">
+      <a:defRPr sz="1200" kern="1200">
+        <a:solidFill>
+          <a:schemeClr val="tx1"/>
+        </a:solidFill>
+        <a:latin typeface="+mn-lt"/>
+        <a:ea typeface="+mn-ea"/>
+        <a:cs typeface="+mn-cs"/>
+      </a:defRPr>
+    </a:lvl5pPr>
+    <a:lvl6pPr marL="2286000" algn="l" defTabSz="914400" rtl="0" eaLnBrk="1" latinLnBrk="0" hangingPunct="1">
+      <a:defRPr sz="1200" kern="1200">
+        <a:solidFill>
+          <a:schemeClr val="tx1"/>
+        </a:solidFill>
+        <a:latin typeface="+mn-lt"/>
+        <a:ea typeface="+mn-ea"/>
+        <a:cs typeface="+mn-cs"/>
+      </a:defRPr>
+    </a:lvl6pPr>
+    <a:lvl7pPr marL="2743200" algn="l" defTabSz="914400" rtl="0" eaLnBrk="1" latinLnBrk="0" hangingPunct="1">
+      <a:defRPr sz="1200" kern="1200">
+        <a:solidFill>
+          <a:schemeClr val="tx1"/>
+        </a:solidFill>
+        <a:latin typeface="+mn-lt"/>
+        <a:ea typeface="+mn-ea"/>
+        <a:cs typeface="+mn-cs"/>
+      </a:defRPr>
+    </a:lvl7pPr>
+    <a:lvl8pPr marL="3200400" algn="l" defTabSz="914400" rtl="0" eaLnBrk="1" latinLnBrk="0" hangingPunct="1">
+      <a:defRPr sz="1200" kern="1200">
+        <a:solidFill>
+          <a:schemeClr val="tx1"/>
+        </a:solidFill>
+        <a:latin typeface="+mn-lt"/>
+        <a:ea typeface="+mn-ea"/>
+        <a:cs typeface="+mn-cs"/>
+      </a:defRPr>
+    </a:lvl8pPr>
+    <a:lvl9pPr marL="3657600" algn="l" defTabSz="914400" rtl="0" eaLnBrk="1" latinLnBrk="0" hangingPunct="1">
+      <a:defRPr sz="1200" kern="1200">
+        <a:solidFill>
+          <a:schemeClr val="tx1"/>
+        </a:solidFill>
+        <a:latin typeface="+mn-lt"/>
+        <a:ea typeface="+mn-ea"/>
+        <a:cs typeface="+mn-cs"/>
+      </a:defRPr>
+    </a:lvl9pPr>
+  </p:notesStyle>
+</p:notesMaster>
+</file>
+
+<file path=ppt/notesSlides/notesSlide1.xml><?xml version="1.0" encoding="utf-8"?>
+<p:notes xmlns:a="http://schemas.openxmlformats.org/drawingml/2006/main" xmlns:r="http://schemas.openxmlformats.org/officeDocument/2006/relationships" xmlns:p="http://schemas.openxmlformats.org/presentationml/2006/main">
+  <p:cSld>
+    <p:spTree>
+      <p:nvGrpSpPr>
+        <p:cNvPr id="1" name=""/>
+        <p:cNvGrpSpPr/>
+        <p:nvPr/>
+      </p:nvGrpSpPr>
+      <p:grpSpPr>
+        <a:xfrm>
+          <a:off x="0" y="0"/>
+          <a:ext cx="0" cy="0"/>
+          <a:chOff x="0" y="0"/>
+          <a:chExt cx="0" cy="0"/>
+        </a:xfrm>
+      </p:grpSpPr>
+      <p:sp>
+        <p:nvSpPr>
+          <p:cNvPr id="2" name="Slide Image Placeholder 1"/>
+          <p:cNvSpPr>
+            <a:spLocks noGrp="1" noRot="1" noChangeAspect="1"/>
+          </p:cNvSpPr>
+          <p:nvPr>
+            <p:ph type="sldImg"/>
+          </p:nvPr>
+        </p:nvSpPr>
+        <p:spPr/>
+      </p:sp>
+      <p:sp>
+        <p:nvSpPr>
+          <p:cNvPr id="3" name="Notes Placeholder 2"/>
+          <p:cNvSpPr>
+            <a:spLocks noGrp="1"/>
+          </p:cNvSpPr>
+          <p:nvPr>
+            <p:ph type="body" idx="1"/>
+          </p:nvPr>
+        </p:nvSpPr>
+        <p:spPr/>
+        <p:txBody>
+          <a:bodyPr/>
+          <a:lstStyle/>
+          <a:p>
+            <a:endParaRPr lang="en-US" dirty="0"/>
+          </a:p>
+        </p:txBody>
+      </p:sp>
+      <p:sp>
+        <p:nvSpPr>
+          <p:cNvPr id="4" name="Slide Number Placeholder 3"/>
+          <p:cNvSpPr>
+            <a:spLocks noGrp="1"/>
+          </p:cNvSpPr>
+          <p:nvPr>
+            <p:ph type="sldNum" sz="quarter" idx="5"/>
+          </p:nvPr>
+        </p:nvSpPr>
+        <p:spPr/>
+        <p:txBody>
+          <a:bodyPr/>
+          <a:lstStyle/>
+          <a:p>
+            <a:fld id="{6CC69B10-8BD3-C044-BFD9-9C89EDBFB9AD}" type="slidenum">
+              <a:rPr lang="en-US" smtClean="0"/>
+              <a:t>1</a:t>
+            </a:fld>
+            <a:endParaRPr lang="en-US"/>
+          </a:p>
+        </p:txBody>
+      </p:sp>
+    </p:spTree>
+    <p:extLst>
+      <p:ext uri="{BB962C8B-B14F-4D97-AF65-F5344CB8AC3E}">
+        <p14:creationId xmlns:p14="http://schemas.microsoft.com/office/powerpoint/2010/main" val="2430082452"/>
+      </p:ext>
+    </p:extLst>
+  </p:cSld>
+  <p:clrMapOvr>
+    <a:masterClrMapping/>
+  </p:clrMapOvr>
+</p:notes>
+</file>
+
 <file path=ppt/slideLayouts/slideLayout1.xml><?xml version="1.0" encoding="utf-8"?>
 <p:sldLayout xmlns:a="http://schemas.openxmlformats.org/drawingml/2006/main" xmlns:r="http://schemas.openxmlformats.org/officeDocument/2006/relationships" xmlns:p="http://schemas.openxmlformats.org/presentationml/2006/main" type="title" preserve="1">
   <p:cSld name="Title Slide">
@@ -260,7 +696,7 @@
           <a:p>
             <a:fld id="{4B8FB48E-27A8-BF4C-84E1-57F6C72EF454}" type="datetimeFigureOut">
               <a:rPr lang="en-US" smtClean="0"/>
-              <a:t>10/16/20</a:t>
+              <a:t>12/5/20</a:t>
             </a:fld>
             <a:endParaRPr lang="en-US"/>
           </a:p>
@@ -458,7 +894,7 @@
           <a:p>
             <a:fld id="{4B8FB48E-27A8-BF4C-84E1-57F6C72EF454}" type="datetimeFigureOut">
               <a:rPr lang="en-US" smtClean="0"/>
-              <a:t>10/16/20</a:t>
+              <a:t>12/5/20</a:t>
             </a:fld>
             <a:endParaRPr lang="en-US"/>
           </a:p>
@@ -666,7 +1102,7 @@
           <a:p>
             <a:fld id="{4B8FB48E-27A8-BF4C-84E1-57F6C72EF454}" type="datetimeFigureOut">
               <a:rPr lang="en-US" smtClean="0"/>
-              <a:t>10/16/20</a:t>
+              <a:t>12/5/20</a:t>
             </a:fld>
             <a:endParaRPr lang="en-US"/>
           </a:p>
@@ -864,7 +1300,7 @@
           <a:p>
             <a:fld id="{4B8FB48E-27A8-BF4C-84E1-57F6C72EF454}" type="datetimeFigureOut">
               <a:rPr lang="en-US" smtClean="0"/>
-              <a:t>10/16/20</a:t>
+              <a:t>12/5/20</a:t>
             </a:fld>
             <a:endParaRPr lang="en-US"/>
           </a:p>
@@ -1139,7 +1575,7 @@
           <a:p>
             <a:fld id="{4B8FB48E-27A8-BF4C-84E1-57F6C72EF454}" type="datetimeFigureOut">
               <a:rPr lang="en-US" smtClean="0"/>
-              <a:t>10/16/20</a:t>
+              <a:t>12/5/20</a:t>
             </a:fld>
             <a:endParaRPr lang="en-US"/>
           </a:p>
@@ -1404,7 +1840,7 @@
           <a:p>
             <a:fld id="{4B8FB48E-27A8-BF4C-84E1-57F6C72EF454}" type="datetimeFigureOut">
               <a:rPr lang="en-US" smtClean="0"/>
-              <a:t>10/16/20</a:t>
+              <a:t>12/5/20</a:t>
             </a:fld>
             <a:endParaRPr lang="en-US"/>
           </a:p>
@@ -1816,7 +2252,7 @@
           <a:p>
             <a:fld id="{4B8FB48E-27A8-BF4C-84E1-57F6C72EF454}" type="datetimeFigureOut">
               <a:rPr lang="en-US" smtClean="0"/>
-              <a:t>10/16/20</a:t>
+              <a:t>12/5/20</a:t>
             </a:fld>
             <a:endParaRPr lang="en-US"/>
           </a:p>
@@ -1957,7 +2393,7 @@
           <a:p>
             <a:fld id="{4B8FB48E-27A8-BF4C-84E1-57F6C72EF454}" type="datetimeFigureOut">
               <a:rPr lang="en-US" smtClean="0"/>
-              <a:t>10/16/20</a:t>
+              <a:t>12/5/20</a:t>
             </a:fld>
             <a:endParaRPr lang="en-US"/>
           </a:p>
@@ -2070,7 +2506,7 @@
           <a:p>
             <a:fld id="{4B8FB48E-27A8-BF4C-84E1-57F6C72EF454}" type="datetimeFigureOut">
               <a:rPr lang="en-US" smtClean="0"/>
-              <a:t>10/16/20</a:t>
+              <a:t>12/5/20</a:t>
             </a:fld>
             <a:endParaRPr lang="en-US"/>
           </a:p>
@@ -2381,7 +2817,7 @@
           <a:p>
             <a:fld id="{4B8FB48E-27A8-BF4C-84E1-57F6C72EF454}" type="datetimeFigureOut">
               <a:rPr lang="en-US" smtClean="0"/>
-              <a:t>10/16/20</a:t>
+              <a:t>12/5/20</a:t>
             </a:fld>
             <a:endParaRPr lang="en-US"/>
           </a:p>
@@ -2669,7 +3105,7 @@
           <a:p>
             <a:fld id="{4B8FB48E-27A8-BF4C-84E1-57F6C72EF454}" type="datetimeFigureOut">
               <a:rPr lang="en-US" smtClean="0"/>
-              <a:t>10/16/20</a:t>
+              <a:t>12/5/20</a:t>
             </a:fld>
             <a:endParaRPr lang="en-US"/>
           </a:p>
@@ -2910,7 +3346,7 @@
           <a:p>
             <a:fld id="{4B8FB48E-27A8-BF4C-84E1-57F6C72EF454}" type="datetimeFigureOut">
               <a:rPr lang="en-US" smtClean="0"/>
-              <a:t>10/16/20</a:t>
+              <a:t>12/5/20</a:t>
             </a:fld>
             <a:endParaRPr lang="en-US"/>
           </a:p>
@@ -3345,11 +3781,13 @@
         </p:nvSpPr>
         <p:spPr/>
         <p:txBody>
-          <a:bodyPr/>
-          <a:lstStyle/>
-          <a:p>
-            <a:r>
-              <a:rPr lang="en-US" dirty="0"/>
+          <a:bodyPr>
+            <a:normAutofit/>
+          </a:bodyPr>
+          <a:lstStyle/>
+          <a:p>
+            <a:r>
+              <a:rPr lang="en-US" sz="2400" dirty="0"/>
               <a:t>Data Flow Diagram (1/2)</a:t>
             </a:r>
           </a:p>
@@ -3369,8 +3807,8 @@
         </p:nvSpPr>
         <p:spPr>
           <a:xfrm>
-            <a:off x="838200" y="1749432"/>
-            <a:ext cx="1272743" cy="662782"/>
+            <a:off x="721597" y="1653794"/>
+            <a:ext cx="945662" cy="662782"/>
           </a:xfrm>
           <a:prstGeom prst="rect">
             <a:avLst/>
@@ -3404,7 +3842,7 @@
           <a:p>
             <a:pPr algn="ctr"/>
             <a:r>
-              <a:rPr lang="en-US" b="1" dirty="0">
+              <a:rPr lang="en-US" sz="1600" b="1" dirty="0">
                 <a:solidFill>
                   <a:sysClr val="windowText" lastClr="000000"/>
                 </a:solidFill>
@@ -3415,7 +3853,7 @@
           <a:p>
             <a:pPr algn="ctr"/>
             <a:r>
-              <a:rPr lang="en-US" dirty="0">
+              <a:rPr lang="en-US" sz="1600" dirty="0">
                 <a:solidFill>
                   <a:sysClr val="windowText" lastClr="000000"/>
                 </a:solidFill>
@@ -3439,8 +3877,8 @@
         </p:nvSpPr>
         <p:spPr>
           <a:xfrm>
-            <a:off x="2448653" y="1749432"/>
-            <a:ext cx="1272743" cy="662782"/>
+            <a:off x="721597" y="2380469"/>
+            <a:ext cx="945662" cy="662782"/>
           </a:xfrm>
           <a:prstGeom prst="rect">
             <a:avLst/>
@@ -3474,7 +3912,7 @@
           <a:p>
             <a:pPr algn="ctr"/>
             <a:r>
-              <a:rPr lang="en-US" b="1" dirty="0">
+              <a:rPr lang="en-US" sz="1600" b="1" dirty="0">
                 <a:solidFill>
                   <a:sysClr val="windowText" lastClr="000000"/>
                 </a:solidFill>
@@ -3485,7 +3923,7 @@
           <a:p>
             <a:pPr algn="ctr"/>
             <a:r>
-              <a:rPr lang="en-US" dirty="0">
+              <a:rPr lang="en-US" sz="1600" dirty="0">
                 <a:solidFill>
                   <a:sysClr val="windowText" lastClr="000000"/>
                 </a:solidFill>
@@ -3497,10 +3935,10 @@
       </p:sp>
       <p:sp>
         <p:nvSpPr>
-          <p:cNvPr id="3" name="Down Arrow 2">
-            <a:extLst>
-              <a:ext uri="{FF2B5EF4-FFF2-40B4-BE49-F238E27FC236}">
-                <a16:creationId xmlns:a16="http://schemas.microsoft.com/office/drawing/2014/main" id="{C6169925-BA63-5A44-A654-BF033154FD2D}"/>
+          <p:cNvPr id="13" name="Rectangle 12">
+            <a:extLst>
+              <a:ext uri="{FF2B5EF4-FFF2-40B4-BE49-F238E27FC236}">
+                <a16:creationId xmlns:a16="http://schemas.microsoft.com/office/drawing/2014/main" id="{39A16A03-35DD-9B4C-AEF8-F56DF29B1E14}"/>
               </a:ext>
             </a:extLst>
           </p:cNvPr>
@@ -3509,64 +3947,8 @@
         </p:nvSpPr>
         <p:spPr>
           <a:xfrm>
-            <a:off x="1155216" y="2577284"/>
-            <a:ext cx="2452956" cy="662782"/>
-          </a:xfrm>
-          <a:prstGeom prst="downArrow">
-            <a:avLst>
-              <a:gd name="adj1" fmla="val 71875"/>
-              <a:gd name="adj2" fmla="val 50000"/>
-            </a:avLst>
-          </a:prstGeom>
-        </p:spPr>
-        <p:style>
-          <a:lnRef idx="2">
-            <a:schemeClr val="accent1">
-              <a:shade val="50000"/>
-            </a:schemeClr>
-          </a:lnRef>
-          <a:fillRef idx="1">
-            <a:schemeClr val="accent1"/>
-          </a:fillRef>
-          <a:effectRef idx="0">
-            <a:schemeClr val="accent1"/>
-          </a:effectRef>
-          <a:fontRef idx="minor">
-            <a:schemeClr val="lt1"/>
-          </a:fontRef>
-        </p:style>
-        <p:txBody>
-          <a:bodyPr rtlCol="0" anchor="ctr"/>
-          <a:lstStyle/>
-          <a:p>
-            <a:pPr algn="ctr"/>
-            <a:r>
-              <a:rPr lang="en-US" dirty="0">
-                <a:solidFill>
-                  <a:schemeClr val="bg1"/>
-                </a:solidFill>
-              </a:rPr>
-              <a:t>Merge Data</a:t>
-            </a:r>
-          </a:p>
-        </p:txBody>
-      </p:sp>
-      <p:sp>
-        <p:nvSpPr>
-          <p:cNvPr id="13" name="Rectangle 12">
-            <a:extLst>
-              <a:ext uri="{FF2B5EF4-FFF2-40B4-BE49-F238E27FC236}">
-                <a16:creationId xmlns:a16="http://schemas.microsoft.com/office/drawing/2014/main" id="{39A16A03-35DD-9B4C-AEF8-F56DF29B1E14}"/>
-              </a:ext>
-            </a:extLst>
-          </p:cNvPr>
-          <p:cNvSpPr/>
-          <p:nvPr/>
-        </p:nvSpPr>
-        <p:spPr>
-          <a:xfrm>
-            <a:off x="1261541" y="3405136"/>
-            <a:ext cx="2240305" cy="662782"/>
+            <a:off x="2797751" y="1944834"/>
+            <a:ext cx="1540403" cy="868680"/>
           </a:xfrm>
           <a:prstGeom prst="rect">
             <a:avLst/>
@@ -3600,7 +3982,7 @@
           <a:p>
             <a:pPr algn="ctr"/>
             <a:r>
-              <a:rPr lang="en-US" b="1" dirty="0">
+              <a:rPr lang="en-US" sz="1600" b="1" dirty="0">
                 <a:solidFill>
                   <a:sysClr val="windowText" lastClr="000000"/>
                 </a:solidFill>
@@ -3611,7 +3993,7 @@
           <a:p>
             <a:pPr algn="ctr"/>
             <a:r>
-              <a:rPr lang="en-US" dirty="0">
+              <a:rPr lang="en-US" sz="1600" dirty="0">
                 <a:solidFill>
                   <a:sysClr val="windowText" lastClr="000000"/>
                 </a:solidFill>
@@ -3621,124 +4003,217 @@
           </a:p>
         </p:txBody>
       </p:sp>
-      <p:sp>
-        <p:nvSpPr>
-          <p:cNvPr id="14" name="Down Arrow 13">
-            <a:extLst>
-              <a:ext uri="{FF2B5EF4-FFF2-40B4-BE49-F238E27FC236}">
-                <a16:creationId xmlns:a16="http://schemas.microsoft.com/office/drawing/2014/main" id="{814D7901-1420-D64A-98DA-558EDB50392C}"/>
-              </a:ext>
-            </a:extLst>
-          </p:cNvPr>
-          <p:cNvSpPr/>
+      <p:cxnSp>
+        <p:nvCxnSpPr>
+          <p:cNvPr id="8" name="Elbow Connector 7">
+            <a:extLst>
+              <a:ext uri="{FF2B5EF4-FFF2-40B4-BE49-F238E27FC236}">
+                <a16:creationId xmlns:a16="http://schemas.microsoft.com/office/drawing/2014/main" id="{7CCD656B-72A9-D641-8B9C-CE9D118A0EB4}"/>
+              </a:ext>
+            </a:extLst>
+          </p:cNvPr>
+          <p:cNvCxnSpPr>
+            <a:cxnSpLocks/>
+            <a:stCxn id="11" idx="3"/>
+            <a:endCxn id="13" idx="1"/>
+          </p:cNvCxnSpPr>
           <p:nvPr/>
-        </p:nvSpPr>
+        </p:nvCxnSpPr>
         <p:spPr>
           <a:xfrm>
-            <a:off x="1155215" y="4232988"/>
-            <a:ext cx="2452956" cy="1083291"/>
-          </a:xfrm>
-          <a:prstGeom prst="downArrow">
+            <a:off x="1667259" y="1985185"/>
+            <a:ext cx="1130492" cy="393989"/>
+          </a:xfrm>
+          <a:prstGeom prst="bentConnector3">
             <a:avLst>
-              <a:gd name="adj1" fmla="val 71875"/>
-              <a:gd name="adj2" fmla="val 37814"/>
+              <a:gd name="adj1" fmla="val 13349"/>
             </a:avLst>
           </a:prstGeom>
+          <a:ln>
+            <a:tailEnd type="triangle" w="lg" len="lg"/>
+          </a:ln>
         </p:spPr>
         <p:style>
-          <a:lnRef idx="2">
-            <a:schemeClr val="accent1">
-              <a:shade val="50000"/>
-            </a:schemeClr>
+          <a:lnRef idx="1">
+            <a:schemeClr val="accent1"/>
           </a:lnRef>
-          <a:fillRef idx="1">
+          <a:fillRef idx="0">
             <a:schemeClr val="accent1"/>
           </a:fillRef>
           <a:effectRef idx="0">
             <a:schemeClr val="accent1"/>
           </a:effectRef>
           <a:fontRef idx="minor">
-            <a:schemeClr val="lt1"/>
+            <a:schemeClr val="tx1"/>
           </a:fontRef>
         </p:style>
-        <p:txBody>
-          <a:bodyPr rtlCol="0" anchor="ctr"/>
-          <a:lstStyle/>
-          <a:p>
-            <a:pPr algn="ctr"/>
-            <a:r>
-              <a:rPr lang="en-US" dirty="0">
-                <a:solidFill>
-                  <a:schemeClr val="bg1"/>
-                </a:solidFill>
-              </a:rPr>
-              <a:t>Remove Duplicate Columns</a:t>
-            </a:r>
-          </a:p>
-        </p:txBody>
-      </p:sp>
-      <p:sp>
-        <p:nvSpPr>
-          <p:cNvPr id="15" name="Rectangle 14">
-            <a:extLst>
-              <a:ext uri="{FF2B5EF4-FFF2-40B4-BE49-F238E27FC236}">
-                <a16:creationId xmlns:a16="http://schemas.microsoft.com/office/drawing/2014/main" id="{4A6273BF-8A82-0845-A7AB-E9F2592914B8}"/>
-              </a:ext>
-            </a:extLst>
-          </p:cNvPr>
-          <p:cNvSpPr/>
+      </p:cxnSp>
+      <p:cxnSp>
+        <p:nvCxnSpPr>
+          <p:cNvPr id="32" name="Elbow Connector 31">
+            <a:extLst>
+              <a:ext uri="{FF2B5EF4-FFF2-40B4-BE49-F238E27FC236}">
+                <a16:creationId xmlns:a16="http://schemas.microsoft.com/office/drawing/2014/main" id="{9C455943-BB6D-6F40-A83A-AF7A2044295D}"/>
+              </a:ext>
+            </a:extLst>
+          </p:cNvPr>
+          <p:cNvCxnSpPr>
+            <a:cxnSpLocks/>
+            <a:stCxn id="12" idx="3"/>
+            <a:endCxn id="13" idx="1"/>
+          </p:cNvCxnSpPr>
           <p:nvPr/>
+        </p:nvCxnSpPr>
+        <p:spPr>
+          <a:xfrm flipV="1">
+            <a:off x="1667259" y="2379174"/>
+            <a:ext cx="1130492" cy="332686"/>
+          </a:xfrm>
+          <a:prstGeom prst="bentConnector3">
+            <a:avLst>
+              <a:gd name="adj1" fmla="val 13349"/>
+            </a:avLst>
+          </a:prstGeom>
+          <a:ln>
+            <a:tailEnd type="triangle" w="lg" len="lg"/>
+          </a:ln>
+        </p:spPr>
+        <p:style>
+          <a:lnRef idx="1">
+            <a:schemeClr val="accent1"/>
+          </a:lnRef>
+          <a:fillRef idx="0">
+            <a:schemeClr val="accent1"/>
+          </a:fillRef>
+          <a:effectRef idx="0">
+            <a:schemeClr val="accent1"/>
+          </a:effectRef>
+          <a:fontRef idx="minor">
+            <a:schemeClr val="tx1"/>
+          </a:fontRef>
+        </p:style>
+      </p:cxnSp>
+      <p:sp>
+        <p:nvSpPr>
+          <p:cNvPr id="38" name="TextBox 37">
+            <a:extLst>
+              <a:ext uri="{FF2B5EF4-FFF2-40B4-BE49-F238E27FC236}">
+                <a16:creationId xmlns:a16="http://schemas.microsoft.com/office/drawing/2014/main" id="{62CA6A87-8318-E846-B21C-EAD38CA9A351}"/>
+              </a:ext>
+            </a:extLst>
+          </p:cNvPr>
+          <p:cNvSpPr txBox="1"/>
+          <p:nvPr/>
         </p:nvSpPr>
         <p:spPr>
           <a:xfrm>
-            <a:off x="1600990" y="5145900"/>
-            <a:ext cx="1561405" cy="499988"/>
+            <a:off x="1829379" y="1802890"/>
+            <a:ext cx="945662" cy="584775"/>
           </a:xfrm>
           <a:prstGeom prst="rect">
             <a:avLst/>
           </a:prstGeom>
-          <a:solidFill>
-            <a:srgbClr val="C00000"/>
-          </a:solidFill>
+          <a:noFill/>
+        </p:spPr>
+        <p:txBody>
+          <a:bodyPr wrap="square" rtlCol="0">
+            <a:spAutoFit/>
+          </a:bodyPr>
+          <a:lstStyle/>
+          <a:p>
+            <a:pPr algn="ctr"/>
+            <a:r>
+              <a:rPr lang="en-US" sz="1600" i="1" dirty="0"/>
+              <a:t>Merge Data</a:t>
+            </a:r>
+          </a:p>
+        </p:txBody>
+      </p:sp>
+      <p:cxnSp>
+        <p:nvCxnSpPr>
+          <p:cNvPr id="70" name="Straight Arrow Connector 69">
+            <a:extLst>
+              <a:ext uri="{FF2B5EF4-FFF2-40B4-BE49-F238E27FC236}">
+                <a16:creationId xmlns:a16="http://schemas.microsoft.com/office/drawing/2014/main" id="{425C4BF2-F9BE-C942-8DF6-1300489E84B8}"/>
+              </a:ext>
+            </a:extLst>
+          </p:cNvPr>
+          <p:cNvCxnSpPr>
+            <a:cxnSpLocks/>
+            <a:stCxn id="13" idx="3"/>
+            <a:endCxn id="72" idx="1"/>
+          </p:cNvCxnSpPr>
+          <p:nvPr/>
+        </p:nvCxnSpPr>
+        <p:spPr>
+          <a:xfrm flipV="1">
+            <a:off x="4338154" y="2377420"/>
+            <a:ext cx="1283869" cy="1754"/>
+          </a:xfrm>
+          <a:prstGeom prst="straightConnector1">
+            <a:avLst/>
+          </a:prstGeom>
+          <a:ln>
+            <a:tailEnd type="triangle" w="lg" len="lg"/>
+          </a:ln>
         </p:spPr>
         <p:style>
-          <a:lnRef idx="2">
-            <a:schemeClr val="accent1">
-              <a:shade val="50000"/>
-            </a:schemeClr>
+          <a:lnRef idx="1">
+            <a:schemeClr val="accent1"/>
           </a:lnRef>
-          <a:fillRef idx="1">
+          <a:fillRef idx="0">
             <a:schemeClr val="accent1"/>
           </a:fillRef>
           <a:effectRef idx="0">
             <a:schemeClr val="accent1"/>
           </a:effectRef>
           <a:fontRef idx="minor">
-            <a:schemeClr val="lt1"/>
+            <a:schemeClr val="tx1"/>
           </a:fontRef>
         </p:style>
-        <p:txBody>
-          <a:bodyPr rtlCol="0" anchor="ctr"/>
+      </p:cxnSp>
+      <p:sp>
+        <p:nvSpPr>
+          <p:cNvPr id="71" name="TextBox 70">
+            <a:extLst>
+              <a:ext uri="{FF2B5EF4-FFF2-40B4-BE49-F238E27FC236}">
+                <a16:creationId xmlns:a16="http://schemas.microsoft.com/office/drawing/2014/main" id="{25D91F0A-E5A9-F844-93E0-BD81BAF5521B}"/>
+              </a:ext>
+            </a:extLst>
+          </p:cNvPr>
+          <p:cNvSpPr txBox="1"/>
+          <p:nvPr/>
+        </p:nvSpPr>
+        <p:spPr>
+          <a:xfrm>
+            <a:off x="4360864" y="1556668"/>
+            <a:ext cx="1093371" cy="830997"/>
+          </a:xfrm>
+          <a:prstGeom prst="rect">
+            <a:avLst/>
+          </a:prstGeom>
+          <a:noFill/>
+        </p:spPr>
+        <p:txBody>
+          <a:bodyPr wrap="square" rtlCol="0">
+            <a:spAutoFit/>
+          </a:bodyPr>
           <a:lstStyle/>
           <a:p>
             <a:pPr algn="ctr"/>
             <a:r>
-              <a:rPr lang="en-US" b="1" dirty="0">
-                <a:solidFill>
-                  <a:schemeClr val="bg1"/>
-                </a:solidFill>
-              </a:rPr>
-              <a:t>- 104 features</a:t>
-            </a:r>
-          </a:p>
-        </p:txBody>
-      </p:sp>
-      <p:sp>
-        <p:nvSpPr>
-          <p:cNvPr id="16" name="Rectangle 15">
-            <a:extLst>
-              <a:ext uri="{FF2B5EF4-FFF2-40B4-BE49-F238E27FC236}">
-                <a16:creationId xmlns:a16="http://schemas.microsoft.com/office/drawing/2014/main" id="{8D298BEB-D649-1547-8546-03E75DBAFE43}"/>
+              <a:rPr lang="en-US" sz="1600" i="1" dirty="0"/>
+              <a:t>Drop Duplicate Columns</a:t>
+            </a:r>
+          </a:p>
+        </p:txBody>
+      </p:sp>
+      <p:sp>
+        <p:nvSpPr>
+          <p:cNvPr id="72" name="Rectangle 71">
+            <a:extLst>
+              <a:ext uri="{FF2B5EF4-FFF2-40B4-BE49-F238E27FC236}">
+                <a16:creationId xmlns:a16="http://schemas.microsoft.com/office/drawing/2014/main" id="{5E892B88-D1B6-E245-B79F-0612C10985E2}"/>
               </a:ext>
             </a:extLst>
           </p:cNvPr>
@@ -3747,8 +4222,8 @@
         </p:nvSpPr>
         <p:spPr>
           <a:xfrm>
-            <a:off x="1276699" y="5793732"/>
-            <a:ext cx="2240305" cy="662782"/>
+            <a:off x="5622023" y="1943080"/>
+            <a:ext cx="1540403" cy="868680"/>
           </a:xfrm>
           <a:prstGeom prst="rect">
             <a:avLst/>
@@ -3782,7 +4257,7 @@
           <a:p>
             <a:pPr algn="ctr"/>
             <a:r>
-              <a:rPr lang="en-US" b="1" dirty="0">
+              <a:rPr lang="en-US" sz="1600" b="1" dirty="0">
                 <a:solidFill>
                   <a:sysClr val="windowText" lastClr="000000"/>
                 </a:solidFill>
@@ -3793,7 +4268,7 @@
           <a:p>
             <a:pPr algn="ctr"/>
             <a:r>
-              <a:rPr lang="en-US" dirty="0">
+              <a:rPr lang="en-US" sz="1600" dirty="0">
                 <a:solidFill>
                   <a:sysClr val="windowText" lastClr="000000"/>
                 </a:solidFill>
@@ -3805,10 +4280,10 @@
       </p:sp>
       <p:sp>
         <p:nvSpPr>
-          <p:cNvPr id="17" name="Down Arrow 16">
-            <a:extLst>
-              <a:ext uri="{FF2B5EF4-FFF2-40B4-BE49-F238E27FC236}">
-                <a16:creationId xmlns:a16="http://schemas.microsoft.com/office/drawing/2014/main" id="{3DBE29B6-19E5-D04F-963E-99BF3323B81B}"/>
+          <p:cNvPr id="76" name="Rectangle 75">
+            <a:extLst>
+              <a:ext uri="{FF2B5EF4-FFF2-40B4-BE49-F238E27FC236}">
+                <a16:creationId xmlns:a16="http://schemas.microsoft.com/office/drawing/2014/main" id="{D0F218AB-B76B-3B41-B22E-9AEE58FC4C26}"/>
               </a:ext>
             </a:extLst>
           </p:cNvPr>
@@ -3816,16 +4291,17 @@
           <p:nvPr/>
         </p:nvSpPr>
         <p:spPr>
-          <a:xfrm rot="12210990">
-            <a:off x="3899683" y="2247382"/>
-            <a:ext cx="1015302" cy="3845695"/>
-          </a:xfrm>
-          <a:prstGeom prst="downArrow">
-            <a:avLst>
-              <a:gd name="adj1" fmla="val 50905"/>
-              <a:gd name="adj2" fmla="val 37814"/>
-            </a:avLst>
+          <a:xfrm>
+            <a:off x="4465866" y="2358578"/>
+            <a:ext cx="843285" cy="530403"/>
+          </a:xfrm>
+          <a:prstGeom prst="rect">
+            <a:avLst/>
           </a:prstGeom>
+          <a:noFill/>
+          <a:ln>
+            <a:noFill/>
+          </a:ln>
         </p:spPr>
         <p:style>
           <a:lnRef idx="2">
@@ -3844,27 +4320,70 @@
           </a:fontRef>
         </p:style>
         <p:txBody>
-          <a:bodyPr vert="vert" rtlCol="0" anchor="ctr"/>
+          <a:bodyPr rtlCol="0" anchor="ctr"/>
           <a:lstStyle/>
           <a:p>
             <a:pPr algn="ctr"/>
             <a:r>
-              <a:rPr lang="en-US" dirty="0">
+              <a:rPr lang="en-US" sz="1400" b="1" i="1" dirty="0">
                 <a:solidFill>
-                  <a:schemeClr val="bg1"/>
+                  <a:srgbClr val="C00000"/>
                 </a:solidFill>
               </a:rPr>
-              <a:t>Remove Redundant Columns</a:t>
-            </a:r>
-          </a:p>
-        </p:txBody>
-      </p:sp>
-      <p:sp>
-        <p:nvSpPr>
-          <p:cNvPr id="18" name="Rectangle 17">
-            <a:extLst>
-              <a:ext uri="{FF2B5EF4-FFF2-40B4-BE49-F238E27FC236}">
-                <a16:creationId xmlns:a16="http://schemas.microsoft.com/office/drawing/2014/main" id="{F842584F-2821-DD48-858A-90905DC014F9}"/>
+              <a:t>- 104 features</a:t>
+            </a:r>
+          </a:p>
+        </p:txBody>
+      </p:sp>
+      <p:cxnSp>
+        <p:nvCxnSpPr>
+          <p:cNvPr id="77" name="Straight Arrow Connector 76">
+            <a:extLst>
+              <a:ext uri="{FF2B5EF4-FFF2-40B4-BE49-F238E27FC236}">
+                <a16:creationId xmlns:a16="http://schemas.microsoft.com/office/drawing/2014/main" id="{272FFEEA-0380-DC48-AC2A-11FB89C7F0FD}"/>
+              </a:ext>
+            </a:extLst>
+          </p:cNvPr>
+          <p:cNvCxnSpPr>
+            <a:cxnSpLocks/>
+            <a:stCxn id="72" idx="3"/>
+            <a:endCxn id="80" idx="1"/>
+          </p:cNvCxnSpPr>
+          <p:nvPr/>
+        </p:nvCxnSpPr>
+        <p:spPr>
+          <a:xfrm flipV="1">
+            <a:off x="7162426" y="2375596"/>
+            <a:ext cx="1361570" cy="1824"/>
+          </a:xfrm>
+          <a:prstGeom prst="straightConnector1">
+            <a:avLst/>
+          </a:prstGeom>
+          <a:ln>
+            <a:tailEnd type="triangle" w="lg" len="lg"/>
+          </a:ln>
+        </p:spPr>
+        <p:style>
+          <a:lnRef idx="1">
+            <a:schemeClr val="accent1"/>
+          </a:lnRef>
+          <a:fillRef idx="0">
+            <a:schemeClr val="accent1"/>
+          </a:fillRef>
+          <a:effectRef idx="0">
+            <a:schemeClr val="accent1"/>
+          </a:effectRef>
+          <a:fontRef idx="minor">
+            <a:schemeClr val="tx1"/>
+          </a:fontRef>
+        </p:style>
+      </p:cxnSp>
+      <p:sp>
+        <p:nvSpPr>
+          <p:cNvPr id="80" name="Rectangle 79">
+            <a:extLst>
+              <a:ext uri="{FF2B5EF4-FFF2-40B4-BE49-F238E27FC236}">
+                <a16:creationId xmlns:a16="http://schemas.microsoft.com/office/drawing/2014/main" id="{947A8C8D-EA14-2940-B4BC-28D253EEF6D1}"/>
               </a:ext>
             </a:extLst>
           </p:cNvPr>
@@ -3873,64 +4392,8 @@
         </p:nvSpPr>
         <p:spPr>
           <a:xfrm>
-            <a:off x="3943771" y="2658681"/>
-            <a:ext cx="780703" cy="499988"/>
-          </a:xfrm>
-          <a:prstGeom prst="rect">
-            <a:avLst/>
-          </a:prstGeom>
-          <a:solidFill>
-            <a:srgbClr val="C00000"/>
-          </a:solidFill>
-        </p:spPr>
-        <p:style>
-          <a:lnRef idx="2">
-            <a:schemeClr val="accent1">
-              <a:shade val="50000"/>
-            </a:schemeClr>
-          </a:lnRef>
-          <a:fillRef idx="1">
-            <a:schemeClr val="accent1"/>
-          </a:fillRef>
-          <a:effectRef idx="0">
-            <a:schemeClr val="accent1"/>
-          </a:effectRef>
-          <a:fontRef idx="minor">
-            <a:schemeClr val="lt1"/>
-          </a:fontRef>
-        </p:style>
-        <p:txBody>
-          <a:bodyPr rtlCol="0" anchor="ctr"/>
-          <a:lstStyle/>
-          <a:p>
-            <a:pPr algn="ctr"/>
-            <a:r>
-              <a:rPr lang="en-US" b="1" dirty="0">
-                <a:solidFill>
-                  <a:schemeClr val="bg1"/>
-                </a:solidFill>
-              </a:rPr>
-              <a:t>- 12</a:t>
-            </a:r>
-          </a:p>
-        </p:txBody>
-      </p:sp>
-      <p:sp>
-        <p:nvSpPr>
-          <p:cNvPr id="19" name="Rectangle 18">
-            <a:extLst>
-              <a:ext uri="{FF2B5EF4-FFF2-40B4-BE49-F238E27FC236}">
-                <a16:creationId xmlns:a16="http://schemas.microsoft.com/office/drawing/2014/main" id="{075C95E4-DA9D-CF49-8C9D-473779C90137}"/>
-              </a:ext>
-            </a:extLst>
-          </p:cNvPr>
-          <p:cNvSpPr/>
-          <p:nvPr/>
-        </p:nvSpPr>
-        <p:spPr>
-          <a:xfrm>
-            <a:off x="5163405" y="1749432"/>
-            <a:ext cx="2240305" cy="662782"/>
+            <a:off x="8523996" y="1941256"/>
+            <a:ext cx="1540403" cy="868680"/>
           </a:xfrm>
           <a:prstGeom prst="rect">
             <a:avLst/>
@@ -3964,7 +4427,7 @@
           <a:p>
             <a:pPr algn="ctr"/>
             <a:r>
-              <a:rPr lang="en-US" b="1" dirty="0">
+              <a:rPr lang="en-US" sz="1600" b="1" dirty="0">
                 <a:solidFill>
                   <a:sysClr val="windowText" lastClr="000000"/>
                 </a:solidFill>
@@ -3975,7 +4438,7 @@
           <a:p>
             <a:pPr algn="ctr"/>
             <a:r>
-              <a:rPr lang="en-US" dirty="0">
+              <a:rPr lang="en-US" sz="1600" dirty="0">
                 <a:solidFill>
                   <a:sysClr val="windowText" lastClr="000000"/>
                 </a:solidFill>
@@ -3987,10 +4450,53 @@
       </p:sp>
       <p:sp>
         <p:nvSpPr>
-          <p:cNvPr id="20" name="Down Arrow 19">
-            <a:extLst>
-              <a:ext uri="{FF2B5EF4-FFF2-40B4-BE49-F238E27FC236}">
-                <a16:creationId xmlns:a16="http://schemas.microsoft.com/office/drawing/2014/main" id="{E3B3C6E7-6373-FF40-939B-FFD312223732}"/>
+          <p:cNvPr id="83" name="TextBox 82">
+            <a:extLst>
+              <a:ext uri="{FF2B5EF4-FFF2-40B4-BE49-F238E27FC236}">
+                <a16:creationId xmlns:a16="http://schemas.microsoft.com/office/drawing/2014/main" id="{FF4F129D-B82E-8D42-8076-6F184101FAE0}"/>
+              </a:ext>
+            </a:extLst>
+          </p:cNvPr>
+          <p:cNvSpPr txBox="1"/>
+          <p:nvPr/>
+        </p:nvSpPr>
+        <p:spPr>
+          <a:xfrm>
+            <a:off x="7162426" y="1556668"/>
+            <a:ext cx="1256703" cy="830997"/>
+          </a:xfrm>
+          <a:prstGeom prst="rect">
+            <a:avLst/>
+          </a:prstGeom>
+          <a:noFill/>
+        </p:spPr>
+        <p:txBody>
+          <a:bodyPr wrap="square" rtlCol="0">
+            <a:spAutoFit/>
+          </a:bodyPr>
+          <a:lstStyle/>
+          <a:p>
+            <a:pPr algn="ctr"/>
+            <a:r>
+              <a:rPr lang="en-US" sz="1600" i="1" dirty="0"/>
+              <a:t>Drop </a:t>
+            </a:r>
+          </a:p>
+          <a:p>
+            <a:pPr algn="ctr"/>
+            <a:r>
+              <a:rPr lang="en-US" sz="1600" i="1" dirty="0"/>
+              <a:t>single-value Columns</a:t>
+            </a:r>
+          </a:p>
+        </p:txBody>
+      </p:sp>
+      <p:sp>
+        <p:nvSpPr>
+          <p:cNvPr id="84" name="Rectangle 83">
+            <a:extLst>
+              <a:ext uri="{FF2B5EF4-FFF2-40B4-BE49-F238E27FC236}">
+                <a16:creationId xmlns:a16="http://schemas.microsoft.com/office/drawing/2014/main" id="{C6787ED3-9C9B-904C-B282-6E4A6016344F}"/>
               </a:ext>
             </a:extLst>
           </p:cNvPr>
@@ -3999,15 +4505,16 @@
         </p:nvSpPr>
         <p:spPr>
           <a:xfrm>
-            <a:off x="5294981" y="2577285"/>
-            <a:ext cx="2142068" cy="851716"/>
-          </a:xfrm>
-          <a:prstGeom prst="downArrow">
-            <a:avLst>
-              <a:gd name="adj1" fmla="val 65073"/>
-              <a:gd name="adj2" fmla="val 37814"/>
-            </a:avLst>
+            <a:off x="7366292" y="2381158"/>
+            <a:ext cx="843285" cy="530403"/>
+          </a:xfrm>
+          <a:prstGeom prst="rect">
+            <a:avLst/>
           </a:prstGeom>
+          <a:noFill/>
+          <a:ln>
+            <a:noFill/>
+          </a:ln>
         </p:spPr>
         <p:style>
           <a:lnRef idx="2">
@@ -4031,22 +4538,67 @@
           <a:p>
             <a:pPr algn="ctr"/>
             <a:r>
-              <a:rPr lang="en-US" dirty="0">
+              <a:rPr lang="en-US" sz="1400" b="1" i="1" dirty="0">
                 <a:solidFill>
-                  <a:schemeClr val="bg1"/>
+                  <a:srgbClr val="C00000"/>
                 </a:solidFill>
               </a:rPr>
-              <a:t>Remove High Null Columns</a:t>
-            </a:r>
-          </a:p>
-        </p:txBody>
-      </p:sp>
-      <p:sp>
-        <p:nvSpPr>
-          <p:cNvPr id="21" name="Rectangle 20">
-            <a:extLst>
-              <a:ext uri="{FF2B5EF4-FFF2-40B4-BE49-F238E27FC236}">
-                <a16:creationId xmlns:a16="http://schemas.microsoft.com/office/drawing/2014/main" id="{B4C4BD35-D3CD-7341-89ED-90F3DD1B2F3D}"/>
+              <a:t>- 12 features</a:t>
+            </a:r>
+          </a:p>
+        </p:txBody>
+      </p:sp>
+      <p:cxnSp>
+        <p:nvCxnSpPr>
+          <p:cNvPr id="85" name="Elbow Connector 84">
+            <a:extLst>
+              <a:ext uri="{FF2B5EF4-FFF2-40B4-BE49-F238E27FC236}">
+                <a16:creationId xmlns:a16="http://schemas.microsoft.com/office/drawing/2014/main" id="{4461409D-6590-D841-897D-8E3200807BD9}"/>
+              </a:ext>
+            </a:extLst>
+          </p:cNvPr>
+          <p:cNvCxnSpPr>
+            <a:cxnSpLocks/>
+            <a:stCxn id="80" idx="3"/>
+          </p:cNvCxnSpPr>
+          <p:nvPr/>
+        </p:nvCxnSpPr>
+        <p:spPr>
+          <a:xfrm flipH="1">
+            <a:off x="10037187" y="2375596"/>
+            <a:ext cx="27212" cy="1794338"/>
+          </a:xfrm>
+          <a:prstGeom prst="bentConnector4">
+            <a:avLst>
+              <a:gd name="adj1" fmla="val -840071"/>
+              <a:gd name="adj2" fmla="val 99527"/>
+            </a:avLst>
+          </a:prstGeom>
+          <a:ln>
+            <a:tailEnd type="triangle" w="lg" len="lg"/>
+          </a:ln>
+        </p:spPr>
+        <p:style>
+          <a:lnRef idx="1">
+            <a:schemeClr val="accent1"/>
+          </a:lnRef>
+          <a:fillRef idx="0">
+            <a:schemeClr val="accent1"/>
+          </a:fillRef>
+          <a:effectRef idx="0">
+            <a:schemeClr val="accent1"/>
+          </a:effectRef>
+          <a:fontRef idx="minor">
+            <a:schemeClr val="tx1"/>
+          </a:fontRef>
+        </p:style>
+      </p:cxnSp>
+      <p:sp>
+        <p:nvSpPr>
+          <p:cNvPr id="95" name="Rectangle 94">
+            <a:extLst>
+              <a:ext uri="{FF2B5EF4-FFF2-40B4-BE49-F238E27FC236}">
+                <a16:creationId xmlns:a16="http://schemas.microsoft.com/office/drawing/2014/main" id="{C72BFAE0-1F93-5940-9D2D-0EC9CD4C831D}"/>
               </a:ext>
             </a:extLst>
           </p:cNvPr>
@@ -4055,64 +4607,8 @@
         </p:nvSpPr>
         <p:spPr>
           <a:xfrm>
-            <a:off x="5410881" y="3256422"/>
-            <a:ext cx="780703" cy="499988"/>
-          </a:xfrm>
-          <a:prstGeom prst="rect">
-            <a:avLst/>
-          </a:prstGeom>
-          <a:solidFill>
-            <a:srgbClr val="C00000"/>
-          </a:solidFill>
-        </p:spPr>
-        <p:style>
-          <a:lnRef idx="2">
-            <a:schemeClr val="accent1">
-              <a:shade val="50000"/>
-            </a:schemeClr>
-          </a:lnRef>
-          <a:fillRef idx="1">
-            <a:schemeClr val="accent1"/>
-          </a:fillRef>
-          <a:effectRef idx="0">
-            <a:schemeClr val="accent1"/>
-          </a:effectRef>
-          <a:fontRef idx="minor">
-            <a:schemeClr val="lt1"/>
-          </a:fontRef>
-        </p:style>
-        <p:txBody>
-          <a:bodyPr rtlCol="0" anchor="ctr"/>
-          <a:lstStyle/>
-          <a:p>
-            <a:pPr algn="ctr"/>
-            <a:r>
-              <a:rPr lang="en-US" b="1" dirty="0">
-                <a:solidFill>
-                  <a:schemeClr val="bg1"/>
-                </a:solidFill>
-              </a:rPr>
-              <a:t>- 8</a:t>
-            </a:r>
-          </a:p>
-        </p:txBody>
-      </p:sp>
-      <p:sp>
-        <p:nvSpPr>
-          <p:cNvPr id="22" name="Rectangle 21">
-            <a:extLst>
-              <a:ext uri="{FF2B5EF4-FFF2-40B4-BE49-F238E27FC236}">
-                <a16:creationId xmlns:a16="http://schemas.microsoft.com/office/drawing/2014/main" id="{13EC2DCA-020C-5A42-A144-7D8DCB178069}"/>
-              </a:ext>
-            </a:extLst>
-          </p:cNvPr>
-          <p:cNvSpPr/>
-          <p:nvPr/>
-        </p:nvSpPr>
-        <p:spPr>
-          <a:xfrm>
-            <a:off x="5163404" y="3838838"/>
-            <a:ext cx="2240305" cy="662782"/>
+            <a:off x="8519345" y="3733291"/>
+            <a:ext cx="1540403" cy="868680"/>
           </a:xfrm>
           <a:prstGeom prst="rect">
             <a:avLst/>
@@ -4146,7 +4642,7 @@
           <a:p>
             <a:pPr algn="ctr"/>
             <a:r>
-              <a:rPr lang="en-US" b="1" dirty="0">
+              <a:rPr lang="en-US" sz="1600" b="1" dirty="0">
                 <a:solidFill>
                   <a:sysClr val="windowText" lastClr="000000"/>
                 </a:solidFill>
@@ -4157,7 +4653,7 @@
           <a:p>
             <a:pPr algn="ctr"/>
             <a:r>
-              <a:rPr lang="en-US" dirty="0">
+              <a:rPr lang="en-US" sz="1600" dirty="0">
                 <a:solidFill>
                   <a:sysClr val="windowText" lastClr="000000"/>
                 </a:solidFill>
@@ -4167,12 +4663,55 @@
           </a:p>
         </p:txBody>
       </p:sp>
-      <p:sp>
-        <p:nvSpPr>
-          <p:cNvPr id="23" name="Down Arrow 22">
-            <a:extLst>
-              <a:ext uri="{FF2B5EF4-FFF2-40B4-BE49-F238E27FC236}">
-                <a16:creationId xmlns:a16="http://schemas.microsoft.com/office/drawing/2014/main" id="{56E27F7F-4E3F-044A-840C-F36D3564C1AC}"/>
+      <p:cxnSp>
+        <p:nvCxnSpPr>
+          <p:cNvPr id="96" name="Straight Arrow Connector 95">
+            <a:extLst>
+              <a:ext uri="{FF2B5EF4-FFF2-40B4-BE49-F238E27FC236}">
+                <a16:creationId xmlns:a16="http://schemas.microsoft.com/office/drawing/2014/main" id="{87893A75-0C2F-E543-BB26-9DC69D8DDE4B}"/>
+              </a:ext>
+            </a:extLst>
+          </p:cNvPr>
+          <p:cNvCxnSpPr>
+            <a:cxnSpLocks/>
+            <a:stCxn id="95" idx="1"/>
+            <a:endCxn id="103" idx="3"/>
+          </p:cNvCxnSpPr>
+          <p:nvPr/>
+        </p:nvCxnSpPr>
+        <p:spPr>
+          <a:xfrm flipH="1">
+            <a:off x="7157445" y="4167631"/>
+            <a:ext cx="1361900" cy="8434"/>
+          </a:xfrm>
+          <a:prstGeom prst="straightConnector1">
+            <a:avLst/>
+          </a:prstGeom>
+          <a:ln>
+            <a:tailEnd type="triangle" w="lg" len="lg"/>
+          </a:ln>
+        </p:spPr>
+        <p:style>
+          <a:lnRef idx="1">
+            <a:schemeClr val="accent1"/>
+          </a:lnRef>
+          <a:fillRef idx="0">
+            <a:schemeClr val="accent1"/>
+          </a:fillRef>
+          <a:effectRef idx="0">
+            <a:schemeClr val="accent1"/>
+          </a:effectRef>
+          <a:fontRef idx="minor">
+            <a:schemeClr val="tx1"/>
+          </a:fontRef>
+        </p:style>
+      </p:cxnSp>
+      <p:sp>
+        <p:nvSpPr>
+          <p:cNvPr id="99" name="Rectangle 98">
+            <a:extLst>
+              <a:ext uri="{FF2B5EF4-FFF2-40B4-BE49-F238E27FC236}">
+                <a16:creationId xmlns:a16="http://schemas.microsoft.com/office/drawing/2014/main" id="{C1670D82-C215-4244-8C82-FCE9BC8133E2}"/>
               </a:ext>
             </a:extLst>
           </p:cNvPr>
@@ -4181,15 +4720,16 @@
         </p:nvSpPr>
         <p:spPr>
           <a:xfrm>
-            <a:off x="5078344" y="4627490"/>
-            <a:ext cx="2142068" cy="1083291"/>
-          </a:xfrm>
-          <a:prstGeom prst="downArrow">
-            <a:avLst>
-              <a:gd name="adj1" fmla="val 65073"/>
-              <a:gd name="adj2" fmla="val 47046"/>
-            </a:avLst>
+            <a:off x="9410626" y="3057298"/>
+            <a:ext cx="843285" cy="530403"/>
+          </a:xfrm>
+          <a:prstGeom prst="rect">
+            <a:avLst/>
           </a:prstGeom>
+          <a:noFill/>
+          <a:ln>
+            <a:noFill/>
+          </a:ln>
         </p:spPr>
         <p:style>
           <a:lnRef idx="2">
@@ -4213,39 +4753,112 @@
           <a:p>
             <a:pPr algn="ctr"/>
             <a:r>
-              <a:rPr lang="en-US" dirty="0">
+              <a:rPr lang="en-US" sz="1400" b="1" i="1" dirty="0">
                 <a:solidFill>
-                  <a:schemeClr val="bg1"/>
+                  <a:srgbClr val="C00000"/>
                 </a:solidFill>
               </a:rPr>
-              <a:t>Remove Timestamps</a:t>
-            </a:r>
-          </a:p>
-        </p:txBody>
-      </p:sp>
-      <p:sp>
-        <p:nvSpPr>
-          <p:cNvPr id="24" name="Rectangle 23">
-            <a:extLst>
-              <a:ext uri="{FF2B5EF4-FFF2-40B4-BE49-F238E27FC236}">
-                <a16:creationId xmlns:a16="http://schemas.microsoft.com/office/drawing/2014/main" id="{AD89D715-A72F-034F-AD8E-51DBD77E130D}"/>
-              </a:ext>
-            </a:extLst>
-          </p:cNvPr>
-          <p:cNvSpPr/>
+              <a:t>- 8 features</a:t>
+            </a:r>
+          </a:p>
+        </p:txBody>
+      </p:sp>
+      <p:sp>
+        <p:nvSpPr>
+          <p:cNvPr id="100" name="TextBox 99">
+            <a:extLst>
+              <a:ext uri="{FF2B5EF4-FFF2-40B4-BE49-F238E27FC236}">
+                <a16:creationId xmlns:a16="http://schemas.microsoft.com/office/drawing/2014/main" id="{263D15C7-66B8-1241-81CA-9457E4458C90}"/>
+              </a:ext>
+            </a:extLst>
+          </p:cNvPr>
+          <p:cNvSpPr txBox="1"/>
           <p:nvPr/>
         </p:nvSpPr>
         <p:spPr>
           <a:xfrm>
-            <a:off x="5087886" y="5354005"/>
-            <a:ext cx="780703" cy="499988"/>
+            <a:off x="10377032" y="2888981"/>
+            <a:ext cx="1093371" cy="830997"/>
           </a:xfrm>
           <a:prstGeom prst="rect">
             <a:avLst/>
           </a:prstGeom>
-          <a:solidFill>
-            <a:srgbClr val="C00000"/>
-          </a:solidFill>
+          <a:noFill/>
+        </p:spPr>
+        <p:txBody>
+          <a:bodyPr wrap="square" rtlCol="0">
+            <a:spAutoFit/>
+          </a:bodyPr>
+          <a:lstStyle/>
+          <a:p>
+            <a:pPr algn="ctr"/>
+            <a:r>
+              <a:rPr lang="en-US" sz="1600" i="1" dirty="0"/>
+              <a:t>Drop highly null columns</a:t>
+            </a:r>
+          </a:p>
+        </p:txBody>
+      </p:sp>
+      <p:sp>
+        <p:nvSpPr>
+          <p:cNvPr id="101" name="TextBox 100">
+            <a:extLst>
+              <a:ext uri="{FF2B5EF4-FFF2-40B4-BE49-F238E27FC236}">
+                <a16:creationId xmlns:a16="http://schemas.microsoft.com/office/drawing/2014/main" id="{A8036589-9A61-E443-8D6E-2199318C74A4}"/>
+              </a:ext>
+            </a:extLst>
+          </p:cNvPr>
+          <p:cNvSpPr txBox="1"/>
+          <p:nvPr/>
+        </p:nvSpPr>
+        <p:spPr>
+          <a:xfrm>
+            <a:off x="7294200" y="3324843"/>
+            <a:ext cx="1093371" cy="830997"/>
+          </a:xfrm>
+          <a:prstGeom prst="rect">
+            <a:avLst/>
+          </a:prstGeom>
+          <a:noFill/>
+        </p:spPr>
+        <p:txBody>
+          <a:bodyPr wrap="square" rtlCol="0">
+            <a:spAutoFit/>
+          </a:bodyPr>
+          <a:lstStyle/>
+          <a:p>
+            <a:pPr algn="ctr"/>
+            <a:r>
+              <a:rPr lang="en-US" sz="1600" i="1" dirty="0"/>
+              <a:t>Drop timestamp columns</a:t>
+            </a:r>
+          </a:p>
+        </p:txBody>
+      </p:sp>
+      <p:sp>
+        <p:nvSpPr>
+          <p:cNvPr id="102" name="Rectangle 101">
+            <a:extLst>
+              <a:ext uri="{FF2B5EF4-FFF2-40B4-BE49-F238E27FC236}">
+                <a16:creationId xmlns:a16="http://schemas.microsoft.com/office/drawing/2014/main" id="{97A2A524-1E38-354F-8275-3DCBA905E26A}"/>
+              </a:ext>
+            </a:extLst>
+          </p:cNvPr>
+          <p:cNvSpPr/>
+          <p:nvPr/>
+        </p:nvSpPr>
+        <p:spPr>
+          <a:xfrm>
+            <a:off x="7434792" y="4206452"/>
+            <a:ext cx="686227" cy="530403"/>
+          </a:xfrm>
+          <a:prstGeom prst="rect">
+            <a:avLst/>
+          </a:prstGeom>
+          <a:noFill/>
+          <a:ln>
+            <a:noFill/>
+          </a:ln>
         </p:spPr>
         <p:style>
           <a:lnRef idx="2">
@@ -4269,22 +4882,22 @@
           <a:p>
             <a:pPr algn="ctr"/>
             <a:r>
-              <a:rPr lang="en-US" b="1" dirty="0">
+              <a:rPr lang="en-US" sz="1400" b="1" i="1" dirty="0">
                 <a:solidFill>
-                  <a:schemeClr val="bg1"/>
+                  <a:srgbClr val="C00000"/>
                 </a:solidFill>
               </a:rPr>
-              <a:t>- 2</a:t>
-            </a:r>
-          </a:p>
-        </p:txBody>
-      </p:sp>
-      <p:sp>
-        <p:nvSpPr>
-          <p:cNvPr id="25" name="Rectangle 24">
-            <a:extLst>
-              <a:ext uri="{FF2B5EF4-FFF2-40B4-BE49-F238E27FC236}">
-                <a16:creationId xmlns:a16="http://schemas.microsoft.com/office/drawing/2014/main" id="{62BFF370-02F4-AC45-B7D6-254FB98499DC}"/>
+              <a:t>- 2 labels</a:t>
+            </a:r>
+          </a:p>
+        </p:txBody>
+      </p:sp>
+      <p:sp>
+        <p:nvSpPr>
+          <p:cNvPr id="103" name="Rectangle 102">
+            <a:extLst>
+              <a:ext uri="{FF2B5EF4-FFF2-40B4-BE49-F238E27FC236}">
+                <a16:creationId xmlns:a16="http://schemas.microsoft.com/office/drawing/2014/main" id="{1BDB170F-9C29-4B47-BB52-3B557671F69F}"/>
               </a:ext>
             </a:extLst>
           </p:cNvPr>
@@ -4293,8 +4906,8 @@
         </p:nvSpPr>
         <p:spPr>
           <a:xfrm>
-            <a:off x="5166291" y="5892674"/>
-            <a:ext cx="2240305" cy="662782"/>
+            <a:off x="5617042" y="3741725"/>
+            <a:ext cx="1540403" cy="868680"/>
           </a:xfrm>
           <a:prstGeom prst="rect">
             <a:avLst/>
@@ -4328,7 +4941,7 @@
           <a:p>
             <a:pPr algn="ctr"/>
             <a:r>
-              <a:rPr lang="en-US" b="1" dirty="0">
+              <a:rPr lang="en-US" sz="1600" b="1" dirty="0">
                 <a:solidFill>
                   <a:sysClr val="windowText" lastClr="000000"/>
                 </a:solidFill>
@@ -4339,22 +4952,198 @@
           <a:p>
             <a:pPr algn="ctr"/>
             <a:r>
-              <a:rPr lang="en-US" dirty="0">
+              <a:rPr lang="en-US" sz="1600" dirty="0">
                 <a:solidFill>
                   <a:sysClr val="windowText" lastClr="000000"/>
                 </a:solidFill>
               </a:rPr>
-              <a:t>467 columns</a:t>
-            </a:r>
-          </a:p>
-        </p:txBody>
-      </p:sp>
-      <p:sp>
-        <p:nvSpPr>
-          <p:cNvPr id="26" name="Down Arrow 25">
-            <a:extLst>
-              <a:ext uri="{FF2B5EF4-FFF2-40B4-BE49-F238E27FC236}">
-                <a16:creationId xmlns:a16="http://schemas.microsoft.com/office/drawing/2014/main" id="{5B1752C2-ADEF-E944-8637-CC76045BA59F}"/>
+              <a:t>466 features</a:t>
+            </a:r>
+          </a:p>
+          <a:p>
+            <a:pPr algn="ctr"/>
+            <a:r>
+              <a:rPr lang="en-US" sz="1600" dirty="0">
+                <a:solidFill>
+                  <a:sysClr val="windowText" lastClr="000000"/>
+                </a:solidFill>
+              </a:rPr>
+              <a:t>1 label</a:t>
+            </a:r>
+          </a:p>
+        </p:txBody>
+      </p:sp>
+      <p:cxnSp>
+        <p:nvCxnSpPr>
+          <p:cNvPr id="106" name="Elbow Connector 105">
+            <a:extLst>
+              <a:ext uri="{FF2B5EF4-FFF2-40B4-BE49-F238E27FC236}">
+                <a16:creationId xmlns:a16="http://schemas.microsoft.com/office/drawing/2014/main" id="{10928EEF-EF6B-5F4A-BF30-D3587FF91D57}"/>
+              </a:ext>
+            </a:extLst>
+          </p:cNvPr>
+          <p:cNvCxnSpPr>
+            <a:cxnSpLocks/>
+          </p:cNvCxnSpPr>
+          <p:nvPr/>
+        </p:nvCxnSpPr>
+        <p:spPr>
+          <a:xfrm rot="10800000" flipV="1">
+            <a:off x="1227924" y="4174311"/>
+            <a:ext cx="4389120" cy="731520"/>
+          </a:xfrm>
+          <a:prstGeom prst="bentConnector3">
+            <a:avLst>
+              <a:gd name="adj1" fmla="val 99892"/>
+            </a:avLst>
+          </a:prstGeom>
+          <a:ln>
+            <a:tailEnd type="triangle" w="lg" len="lg"/>
+          </a:ln>
+        </p:spPr>
+        <p:style>
+          <a:lnRef idx="1">
+            <a:schemeClr val="accent1"/>
+          </a:lnRef>
+          <a:fillRef idx="0">
+            <a:schemeClr val="accent1"/>
+          </a:fillRef>
+          <a:effectRef idx="0">
+            <a:schemeClr val="accent1"/>
+          </a:effectRef>
+          <a:fontRef idx="minor">
+            <a:schemeClr val="tx1"/>
+          </a:fontRef>
+        </p:style>
+      </p:cxnSp>
+      <p:cxnSp>
+        <p:nvCxnSpPr>
+          <p:cNvPr id="113" name="Elbow Connector 112">
+            <a:extLst>
+              <a:ext uri="{FF2B5EF4-FFF2-40B4-BE49-F238E27FC236}">
+                <a16:creationId xmlns:a16="http://schemas.microsoft.com/office/drawing/2014/main" id="{688AAE82-413C-DD45-B641-B78FF017F2F6}"/>
+              </a:ext>
+            </a:extLst>
+          </p:cNvPr>
+          <p:cNvCxnSpPr>
+            <a:cxnSpLocks/>
+          </p:cNvCxnSpPr>
+          <p:nvPr/>
+        </p:nvCxnSpPr>
+        <p:spPr>
+          <a:xfrm rot="10800000" flipV="1">
+            <a:off x="2869191" y="4167631"/>
+            <a:ext cx="2743200" cy="731520"/>
+          </a:xfrm>
+          <a:prstGeom prst="bentConnector3">
+            <a:avLst>
+              <a:gd name="adj1" fmla="val 99892"/>
+            </a:avLst>
+          </a:prstGeom>
+          <a:ln>
+            <a:tailEnd type="triangle" w="lg" len="lg"/>
+          </a:ln>
+        </p:spPr>
+        <p:style>
+          <a:lnRef idx="1">
+            <a:schemeClr val="accent1"/>
+          </a:lnRef>
+          <a:fillRef idx="0">
+            <a:schemeClr val="accent1"/>
+          </a:fillRef>
+          <a:effectRef idx="0">
+            <a:schemeClr val="accent1"/>
+          </a:effectRef>
+          <a:fontRef idx="minor">
+            <a:schemeClr val="tx1"/>
+          </a:fontRef>
+        </p:style>
+      </p:cxnSp>
+      <p:cxnSp>
+        <p:nvCxnSpPr>
+          <p:cNvPr id="114" name="Elbow Connector 113">
+            <a:extLst>
+              <a:ext uri="{FF2B5EF4-FFF2-40B4-BE49-F238E27FC236}">
+                <a16:creationId xmlns:a16="http://schemas.microsoft.com/office/drawing/2014/main" id="{DCA780D9-29D9-0046-9954-AB79DD4B7C47}"/>
+              </a:ext>
+            </a:extLst>
+          </p:cNvPr>
+          <p:cNvCxnSpPr>
+            <a:cxnSpLocks/>
+          </p:cNvCxnSpPr>
+          <p:nvPr/>
+        </p:nvCxnSpPr>
+        <p:spPr>
+          <a:xfrm rot="10800000" flipV="1">
+            <a:off x="4524414" y="4173916"/>
+            <a:ext cx="1097280" cy="731520"/>
+          </a:xfrm>
+          <a:prstGeom prst="bentConnector3">
+            <a:avLst>
+              <a:gd name="adj1" fmla="val 99892"/>
+            </a:avLst>
+          </a:prstGeom>
+          <a:ln>
+            <a:tailEnd type="triangle" w="lg" len="lg"/>
+          </a:ln>
+        </p:spPr>
+        <p:style>
+          <a:lnRef idx="1">
+            <a:schemeClr val="accent1"/>
+          </a:lnRef>
+          <a:fillRef idx="0">
+            <a:schemeClr val="accent1"/>
+          </a:fillRef>
+          <a:effectRef idx="0">
+            <a:schemeClr val="accent1"/>
+          </a:effectRef>
+          <a:fontRef idx="minor">
+            <a:schemeClr val="tx1"/>
+          </a:fontRef>
+        </p:style>
+      </p:cxnSp>
+      <p:sp>
+        <p:nvSpPr>
+          <p:cNvPr id="115" name="TextBox 114">
+            <a:extLst>
+              <a:ext uri="{FF2B5EF4-FFF2-40B4-BE49-F238E27FC236}">
+                <a16:creationId xmlns:a16="http://schemas.microsoft.com/office/drawing/2014/main" id="{84103841-AFA6-A946-A1DC-9021872E324A}"/>
+              </a:ext>
+            </a:extLst>
+          </p:cNvPr>
+          <p:cNvSpPr txBox="1"/>
+          <p:nvPr/>
+        </p:nvSpPr>
+        <p:spPr>
+          <a:xfrm>
+            <a:off x="1747371" y="3756848"/>
+            <a:ext cx="3074450" cy="338554"/>
+          </a:xfrm>
+          <a:prstGeom prst="rect">
+            <a:avLst/>
+          </a:prstGeom>
+          <a:noFill/>
+        </p:spPr>
+        <p:txBody>
+          <a:bodyPr wrap="square" rtlCol="0">
+            <a:spAutoFit/>
+          </a:bodyPr>
+          <a:lstStyle/>
+          <a:p>
+            <a:pPr algn="ctr"/>
+            <a:r>
+              <a:rPr lang="en-US" sz="1600" b="1" i="1" dirty="0"/>
+              <a:t>Apply Feature Selection Methods</a:t>
+            </a:r>
+          </a:p>
+        </p:txBody>
+      </p:sp>
+      <p:sp>
+        <p:nvSpPr>
+          <p:cNvPr id="116" name="Rectangle 115">
+            <a:extLst>
+              <a:ext uri="{FF2B5EF4-FFF2-40B4-BE49-F238E27FC236}">
+                <a16:creationId xmlns:a16="http://schemas.microsoft.com/office/drawing/2014/main" id="{A71923A2-80FA-4748-A128-A79E008EA724}"/>
               </a:ext>
             </a:extLst>
           </p:cNvPr>
@@ -4362,253 +5151,9 @@
           <p:nvPr/>
         </p:nvSpPr>
         <p:spPr>
-          <a:xfrm rot="14167108">
-            <a:off x="7821304" y="4223682"/>
-            <a:ext cx="1325564" cy="2344423"/>
-          </a:xfrm>
-          <a:prstGeom prst="downArrow">
-            <a:avLst>
-              <a:gd name="adj1" fmla="val 70276"/>
-              <a:gd name="adj2" fmla="val 23188"/>
-            </a:avLst>
-          </a:prstGeom>
-        </p:spPr>
-        <p:style>
-          <a:lnRef idx="2">
-            <a:schemeClr val="accent1">
-              <a:shade val="50000"/>
-            </a:schemeClr>
-          </a:lnRef>
-          <a:fillRef idx="1">
-            <a:schemeClr val="accent1"/>
-          </a:fillRef>
-          <a:effectRef idx="0">
-            <a:schemeClr val="accent1"/>
-          </a:effectRef>
-          <a:fontRef idx="minor">
-            <a:schemeClr val="lt1"/>
-          </a:fontRef>
-        </p:style>
-        <p:txBody>
-          <a:bodyPr vert="vert" rtlCol="0" anchor="ctr"/>
-          <a:lstStyle/>
-          <a:p>
-            <a:pPr algn="ctr"/>
-            <a:r>
-              <a:rPr lang="en-US" dirty="0">
-                <a:solidFill>
-                  <a:schemeClr val="bg1"/>
-                </a:solidFill>
-              </a:rPr>
-              <a:t>Apply Feature Selection Methods</a:t>
-            </a:r>
-          </a:p>
-        </p:txBody>
-      </p:sp>
-      <p:sp>
-        <p:nvSpPr>
-          <p:cNvPr id="28" name="Oval 27">
-            <a:extLst>
-              <a:ext uri="{FF2B5EF4-FFF2-40B4-BE49-F238E27FC236}">
-                <a16:creationId xmlns:a16="http://schemas.microsoft.com/office/drawing/2014/main" id="{45CA7599-68BD-5A46-B270-82FFE06F1443}"/>
-              </a:ext>
-            </a:extLst>
-          </p:cNvPr>
-          <p:cNvSpPr/>
-          <p:nvPr/>
-        </p:nvSpPr>
-        <p:spPr>
           <a:xfrm>
-            <a:off x="8944112" y="1252287"/>
-            <a:ext cx="2080000" cy="2080000"/>
-          </a:xfrm>
-          <a:prstGeom prst="ellipse">
-            <a:avLst/>
-          </a:prstGeom>
-          <a:solidFill>
-            <a:schemeClr val="accent3">
-              <a:lumMod val="40000"/>
-              <a:lumOff val="60000"/>
-              <a:alpha val="50000"/>
-            </a:schemeClr>
-          </a:solidFill>
-        </p:spPr>
-        <p:style>
-          <a:lnRef idx="2">
-            <a:schemeClr val="accent1">
-              <a:shade val="50000"/>
-            </a:schemeClr>
-          </a:lnRef>
-          <a:fillRef idx="1">
-            <a:schemeClr val="accent1"/>
-          </a:fillRef>
-          <a:effectRef idx="0">
-            <a:schemeClr val="accent1"/>
-          </a:effectRef>
-          <a:fontRef idx="minor">
-            <a:schemeClr val="lt1"/>
-          </a:fontRef>
-        </p:style>
-        <p:txBody>
-          <a:bodyPr rtlCol="0" anchor="ctr"/>
-          <a:lstStyle/>
-          <a:p>
-            <a:pPr algn="ctr"/>
-            <a:r>
-              <a:rPr lang="en-US" dirty="0">
-                <a:solidFill>
-                  <a:schemeClr val="tx1"/>
-                </a:solidFill>
-              </a:rPr>
-              <a:t>Mutual Information (124)</a:t>
-            </a:r>
-          </a:p>
-          <a:p>
-            <a:pPr algn="ctr"/>
-            <a:endParaRPr lang="en-US" dirty="0">
-              <a:solidFill>
-                <a:schemeClr val="tx1"/>
-              </a:solidFill>
-            </a:endParaRPr>
-          </a:p>
-        </p:txBody>
-      </p:sp>
-      <p:sp>
-        <p:nvSpPr>
-          <p:cNvPr id="29" name="Oval 28">
-            <a:extLst>
-              <a:ext uri="{FF2B5EF4-FFF2-40B4-BE49-F238E27FC236}">
-                <a16:creationId xmlns:a16="http://schemas.microsoft.com/office/drawing/2014/main" id="{F7FD288D-8D8B-724B-BC85-3EDE2835201A}"/>
-              </a:ext>
-            </a:extLst>
-          </p:cNvPr>
-          <p:cNvSpPr/>
-          <p:nvPr/>
-        </p:nvSpPr>
-        <p:spPr>
-          <a:xfrm>
-            <a:off x="9675671" y="2547490"/>
-            <a:ext cx="2080000" cy="2080000"/>
-          </a:xfrm>
-          <a:prstGeom prst="ellipse">
-            <a:avLst/>
-          </a:prstGeom>
-          <a:solidFill>
-            <a:schemeClr val="accent3">
-              <a:lumMod val="40000"/>
-              <a:lumOff val="60000"/>
-              <a:alpha val="50000"/>
-            </a:schemeClr>
-          </a:solidFill>
-        </p:spPr>
-        <p:style>
-          <a:lnRef idx="2">
-            <a:schemeClr val="accent1">
-              <a:shade val="50000"/>
-            </a:schemeClr>
-          </a:lnRef>
-          <a:fillRef idx="1">
-            <a:schemeClr val="accent1"/>
-          </a:fillRef>
-          <a:effectRef idx="0">
-            <a:schemeClr val="accent1"/>
-          </a:effectRef>
-          <a:fontRef idx="minor">
-            <a:schemeClr val="lt1"/>
-          </a:fontRef>
-        </p:style>
-        <p:txBody>
-          <a:bodyPr rtlCol="0" anchor="ctr"/>
-          <a:lstStyle/>
-          <a:p>
-            <a:pPr algn="ctr"/>
-            <a:r>
-              <a:rPr lang="en-US" dirty="0">
-                <a:solidFill>
-                  <a:schemeClr val="tx1"/>
-                </a:solidFill>
-              </a:rPr>
-              <a:t>Lasso Regression (106)</a:t>
-            </a:r>
-          </a:p>
-        </p:txBody>
-      </p:sp>
-      <p:sp>
-        <p:nvSpPr>
-          <p:cNvPr id="30" name="Oval 29">
-            <a:extLst>
-              <a:ext uri="{FF2B5EF4-FFF2-40B4-BE49-F238E27FC236}">
-                <a16:creationId xmlns:a16="http://schemas.microsoft.com/office/drawing/2014/main" id="{ED3EE3C1-B20F-7E4A-8E81-1EDD442BD93D}"/>
-              </a:ext>
-            </a:extLst>
-          </p:cNvPr>
-          <p:cNvSpPr/>
-          <p:nvPr/>
-        </p:nvSpPr>
-        <p:spPr>
-          <a:xfrm>
-            <a:off x="8007556" y="2368164"/>
-            <a:ext cx="2080000" cy="2080000"/>
-          </a:xfrm>
-          <a:prstGeom prst="ellipse">
-            <a:avLst/>
-          </a:prstGeom>
-          <a:solidFill>
-            <a:schemeClr val="accent3">
-              <a:lumMod val="40000"/>
-              <a:lumOff val="60000"/>
-              <a:alpha val="50000"/>
-            </a:schemeClr>
-          </a:solidFill>
-        </p:spPr>
-        <p:style>
-          <a:lnRef idx="2">
-            <a:schemeClr val="accent1">
-              <a:shade val="50000"/>
-            </a:schemeClr>
-          </a:lnRef>
-          <a:fillRef idx="1">
-            <a:schemeClr val="accent1"/>
-          </a:fillRef>
-          <a:effectRef idx="0">
-            <a:schemeClr val="accent1"/>
-          </a:effectRef>
-          <a:fontRef idx="minor">
-            <a:schemeClr val="lt1"/>
-          </a:fontRef>
-        </p:style>
-        <p:txBody>
-          <a:bodyPr rtlCol="0" anchor="ctr"/>
-          <a:lstStyle/>
-          <a:p>
-            <a:pPr algn="ctr"/>
-            <a:r>
-              <a:rPr lang="en-US" dirty="0">
-                <a:solidFill>
-                  <a:schemeClr val="tx1"/>
-                </a:solidFill>
-              </a:rPr>
-              <a:t>Forward Selection (117)</a:t>
-            </a:r>
-          </a:p>
-        </p:txBody>
-      </p:sp>
-      <p:sp>
-        <p:nvSpPr>
-          <p:cNvPr id="31" name="Rectangle 30">
-            <a:extLst>
-              <a:ext uri="{FF2B5EF4-FFF2-40B4-BE49-F238E27FC236}">
-                <a16:creationId xmlns:a16="http://schemas.microsoft.com/office/drawing/2014/main" id="{993D9ED6-71D6-9640-AA0B-741DB66FF3C4}"/>
-              </a:ext>
-            </a:extLst>
-          </p:cNvPr>
-          <p:cNvSpPr/>
-          <p:nvPr/>
-        </p:nvSpPr>
-        <p:spPr>
-          <a:xfrm>
-            <a:off x="9671050" y="4467130"/>
-            <a:ext cx="2240305" cy="923534"/>
+            <a:off x="3838612" y="4945337"/>
+            <a:ext cx="1371601" cy="1274028"/>
           </a:xfrm>
           <a:prstGeom prst="rect">
             <a:avLst/>
@@ -4642,44 +5187,33 @@
           <a:p>
             <a:pPr algn="ctr"/>
             <a:r>
-              <a:rPr lang="en-US" b="1" dirty="0">
+              <a:rPr lang="en-US" sz="1600" b="1" dirty="0">
                 <a:solidFill>
                   <a:sysClr val="windowText" lastClr="000000"/>
                 </a:solidFill>
               </a:rPr>
-              <a:t>Dataset</a:t>
+              <a:t>Mutual Information</a:t>
             </a:r>
           </a:p>
           <a:p>
             <a:pPr algn="ctr"/>
             <a:r>
-              <a:rPr lang="en-US" dirty="0">
+              <a:rPr lang="en-US" sz="1600" dirty="0">
                 <a:solidFill>
                   <a:sysClr val="windowText" lastClr="000000"/>
                 </a:solidFill>
               </a:rPr>
-              <a:t>256 columns</a:t>
-            </a:r>
-          </a:p>
-          <a:p>
-            <a:pPr algn="ctr"/>
-            <a:r>
-              <a:rPr lang="en-US" i="1" dirty="0">
-                <a:solidFill>
-                  <a:sysClr val="windowText" lastClr="000000"/>
-                </a:solidFill>
-              </a:rPr>
-              <a:t>(union of methods)</a:t>
-            </a:r>
-          </a:p>
-        </p:txBody>
-      </p:sp>
-      <p:sp>
-        <p:nvSpPr>
-          <p:cNvPr id="33" name="Rectangle 32">
-            <a:extLst>
-              <a:ext uri="{FF2B5EF4-FFF2-40B4-BE49-F238E27FC236}">
-                <a16:creationId xmlns:a16="http://schemas.microsoft.com/office/drawing/2014/main" id="{DCDF81F7-7A2A-D94E-B4CC-45952A2EBBE6}"/>
+              <a:t>120 features</a:t>
+            </a:r>
+          </a:p>
+        </p:txBody>
+      </p:sp>
+      <p:sp>
+        <p:nvSpPr>
+          <p:cNvPr id="117" name="Rectangle 116">
+            <a:extLst>
+              <a:ext uri="{FF2B5EF4-FFF2-40B4-BE49-F238E27FC236}">
+                <a16:creationId xmlns:a16="http://schemas.microsoft.com/office/drawing/2014/main" id="{E5D83326-D5B9-E14A-99A0-643A4351D86B}"/>
               </a:ext>
             </a:extLst>
           </p:cNvPr>
@@ -4688,14 +5222,17 @@
         </p:nvSpPr>
         <p:spPr>
           <a:xfrm>
-            <a:off x="8991392" y="5390664"/>
-            <a:ext cx="780703" cy="499988"/>
+            <a:off x="2194648" y="4945337"/>
+            <a:ext cx="1371601" cy="1274028"/>
           </a:xfrm>
           <a:prstGeom prst="rect">
             <a:avLst/>
           </a:prstGeom>
           <a:solidFill>
-            <a:srgbClr val="C00000"/>
+            <a:schemeClr val="accent1">
+              <a:lumMod val="40000"/>
+              <a:lumOff val="60000"/>
+            </a:schemeClr>
           </a:solidFill>
         </p:spPr>
         <p:style>
@@ -4720,12 +5257,93 @@
           <a:p>
             <a:pPr algn="ctr"/>
             <a:r>
-              <a:rPr lang="en-US" b="1" dirty="0">
+              <a:rPr lang="en-US" sz="1600" b="1" dirty="0">
                 <a:solidFill>
-                  <a:schemeClr val="bg1"/>
+                  <a:sysClr val="windowText" lastClr="000000"/>
                 </a:solidFill>
               </a:rPr>
-              <a:t>- 211</a:t>
+              <a:t>Forward Selection</a:t>
+            </a:r>
+          </a:p>
+          <a:p>
+            <a:pPr algn="ctr"/>
+            <a:r>
+              <a:rPr lang="en-US" sz="1600" dirty="0">
+                <a:solidFill>
+                  <a:sysClr val="windowText" lastClr="000000"/>
+                </a:solidFill>
+              </a:rPr>
+              <a:t>135 features</a:t>
+            </a:r>
+          </a:p>
+        </p:txBody>
+      </p:sp>
+      <p:sp>
+        <p:nvSpPr>
+          <p:cNvPr id="118" name="Rectangle 117">
+            <a:extLst>
+              <a:ext uri="{FF2B5EF4-FFF2-40B4-BE49-F238E27FC236}">
+                <a16:creationId xmlns:a16="http://schemas.microsoft.com/office/drawing/2014/main" id="{E3B8F615-2A57-EC4A-A3A0-33AAF3FAF9F0}"/>
+              </a:ext>
+            </a:extLst>
+          </p:cNvPr>
+          <p:cNvSpPr/>
+          <p:nvPr/>
+        </p:nvSpPr>
+        <p:spPr>
+          <a:xfrm>
+            <a:off x="550684" y="4950413"/>
+            <a:ext cx="1371601" cy="1274028"/>
+          </a:xfrm>
+          <a:prstGeom prst="rect">
+            <a:avLst/>
+          </a:prstGeom>
+          <a:solidFill>
+            <a:schemeClr val="accent1">
+              <a:lumMod val="40000"/>
+              <a:lumOff val="60000"/>
+            </a:schemeClr>
+          </a:solidFill>
+        </p:spPr>
+        <p:style>
+          <a:lnRef idx="2">
+            <a:schemeClr val="accent1">
+              <a:shade val="50000"/>
+            </a:schemeClr>
+          </a:lnRef>
+          <a:fillRef idx="1">
+            <a:schemeClr val="accent1"/>
+          </a:fillRef>
+          <a:effectRef idx="0">
+            <a:schemeClr val="accent1"/>
+          </a:effectRef>
+          <a:fontRef idx="minor">
+            <a:schemeClr val="lt1"/>
+          </a:fontRef>
+        </p:style>
+        <p:txBody>
+          <a:bodyPr rtlCol="0" anchor="ctr"/>
+          <a:lstStyle/>
+          <a:p>
+            <a:pPr algn="ctr"/>
+            <a:r>
+              <a:rPr lang="en-US" sz="1600" b="1" dirty="0">
+                <a:solidFill>
+                  <a:sysClr val="windowText" lastClr="000000"/>
+                </a:solidFill>
+              </a:rPr>
+              <a:t>Lasso Regression</a:t>
+            </a:r>
+          </a:p>
+          <a:p>
+            <a:pPr algn="ctr"/>
+            <a:r>
+              <a:rPr lang="en-US" sz="1600" dirty="0">
+                <a:solidFill>
+                  <a:sysClr val="windowText" lastClr="000000"/>
+                </a:solidFill>
+              </a:rPr>
+              <a:t>132 features</a:t>
             </a:r>
           </a:p>
         </p:txBody>
@@ -4733,7 +5351,7 @@
     </p:spTree>
     <p:extLst>
       <p:ext uri="{BB962C8B-B14F-4D97-AF65-F5344CB8AC3E}">
-        <p14:creationId xmlns:p14="http://schemas.microsoft.com/office/powerpoint/2010/main" val="788609849"/>
+        <p14:creationId xmlns:p14="http://schemas.microsoft.com/office/powerpoint/2010/main" val="123388909"/>
       </p:ext>
     </p:extLst>
   </p:cSld>
@@ -4778,22 +5396,68 @@
         </p:nvSpPr>
         <p:spPr/>
         <p:txBody>
-          <a:bodyPr/>
-          <a:lstStyle/>
-          <a:p>
-            <a:r>
-              <a:rPr lang="en-US" dirty="0"/>
+          <a:bodyPr>
+            <a:normAutofit/>
+          </a:bodyPr>
+          <a:lstStyle/>
+          <a:p>
+            <a:r>
+              <a:rPr lang="en-US" sz="2400" dirty="0"/>
               <a:t>Data Flow Diagram (2/2)</a:t>
             </a:r>
           </a:p>
         </p:txBody>
       </p:sp>
-      <p:sp>
-        <p:nvSpPr>
-          <p:cNvPr id="26" name="Down Arrow 25">
-            <a:extLst>
-              <a:ext uri="{FF2B5EF4-FFF2-40B4-BE49-F238E27FC236}">
-                <a16:creationId xmlns:a16="http://schemas.microsoft.com/office/drawing/2014/main" id="{5B1752C2-ADEF-E944-8637-CC76045BA59F}"/>
+      <p:cxnSp>
+        <p:nvCxnSpPr>
+          <p:cNvPr id="32" name="Elbow Connector 31">
+            <a:extLst>
+              <a:ext uri="{FF2B5EF4-FFF2-40B4-BE49-F238E27FC236}">
+                <a16:creationId xmlns:a16="http://schemas.microsoft.com/office/drawing/2014/main" id="{9C455943-BB6D-6F40-A83A-AF7A2044295D}"/>
+              </a:ext>
+            </a:extLst>
+          </p:cNvPr>
+          <p:cNvCxnSpPr>
+            <a:cxnSpLocks/>
+            <a:endCxn id="153" idx="1"/>
+          </p:cNvCxnSpPr>
+          <p:nvPr/>
+        </p:nvCxnSpPr>
+        <p:spPr>
+          <a:xfrm flipV="1">
+            <a:off x="2929537" y="3789008"/>
+            <a:ext cx="2434333" cy="1461306"/>
+          </a:xfrm>
+          <a:prstGeom prst="bentConnector3">
+            <a:avLst>
+              <a:gd name="adj1" fmla="val 20785"/>
+            </a:avLst>
+          </a:prstGeom>
+          <a:ln>
+            <a:tailEnd type="triangle" w="lg" len="lg"/>
+          </a:ln>
+        </p:spPr>
+        <p:style>
+          <a:lnRef idx="1">
+            <a:schemeClr val="accent1"/>
+          </a:lnRef>
+          <a:fillRef idx="0">
+            <a:schemeClr val="accent1"/>
+          </a:fillRef>
+          <a:effectRef idx="0">
+            <a:schemeClr val="accent1"/>
+          </a:effectRef>
+          <a:fontRef idx="minor">
+            <a:schemeClr val="tx1"/>
+          </a:fontRef>
+        </p:style>
+      </p:cxnSp>
+      <p:sp>
+        <p:nvSpPr>
+          <p:cNvPr id="116" name="Rectangle 115">
+            <a:extLst>
+              <a:ext uri="{FF2B5EF4-FFF2-40B4-BE49-F238E27FC236}">
+                <a16:creationId xmlns:a16="http://schemas.microsoft.com/office/drawing/2014/main" id="{A71923A2-80FA-4748-A128-A79E008EA724}"/>
               </a:ext>
             </a:extLst>
           </p:cNvPr>
@@ -4801,253 +5465,9 @@
           <p:nvPr/>
         </p:nvSpPr>
         <p:spPr>
-          <a:xfrm rot="16200000">
-            <a:off x="1623811" y="708492"/>
-            <a:ext cx="961265" cy="2479050"/>
-          </a:xfrm>
-          <a:prstGeom prst="downArrow">
-            <a:avLst>
-              <a:gd name="adj1" fmla="val 100000"/>
-              <a:gd name="adj2" fmla="val 0"/>
-            </a:avLst>
-          </a:prstGeom>
-        </p:spPr>
-        <p:style>
-          <a:lnRef idx="2">
-            <a:schemeClr val="accent1">
-              <a:shade val="50000"/>
-            </a:schemeClr>
-          </a:lnRef>
-          <a:fillRef idx="1">
-            <a:schemeClr val="accent1"/>
-          </a:fillRef>
-          <a:effectRef idx="0">
-            <a:schemeClr val="accent1"/>
-          </a:effectRef>
-          <a:fontRef idx="minor">
-            <a:schemeClr val="lt1"/>
-          </a:fontRef>
-        </p:style>
-        <p:txBody>
-          <a:bodyPr vert="vert" rtlCol="0" anchor="ctr"/>
-          <a:lstStyle/>
-          <a:p>
-            <a:pPr algn="ctr"/>
-            <a:r>
-              <a:rPr lang="en-US" dirty="0">
-                <a:solidFill>
-                  <a:schemeClr val="bg1"/>
-                </a:solidFill>
-              </a:rPr>
-              <a:t>Feature Selection Methods</a:t>
-            </a:r>
-          </a:p>
-        </p:txBody>
-      </p:sp>
-      <p:sp>
-        <p:nvSpPr>
-          <p:cNvPr id="28" name="Oval 27">
-            <a:extLst>
-              <a:ext uri="{FF2B5EF4-FFF2-40B4-BE49-F238E27FC236}">
-                <a16:creationId xmlns:a16="http://schemas.microsoft.com/office/drawing/2014/main" id="{45CA7599-68BD-5A46-B270-82FFE06F1443}"/>
-              </a:ext>
-            </a:extLst>
-          </p:cNvPr>
-          <p:cNvSpPr/>
-          <p:nvPr/>
-        </p:nvSpPr>
-        <p:spPr>
           <a:xfrm>
-            <a:off x="1263969" y="2490909"/>
-            <a:ext cx="2080000" cy="2080000"/>
-          </a:xfrm>
-          <a:prstGeom prst="ellipse">
-            <a:avLst/>
-          </a:prstGeom>
-          <a:solidFill>
-            <a:schemeClr val="accent3">
-              <a:lumMod val="40000"/>
-              <a:lumOff val="60000"/>
-              <a:alpha val="50000"/>
-            </a:schemeClr>
-          </a:solidFill>
-        </p:spPr>
-        <p:style>
-          <a:lnRef idx="2">
-            <a:schemeClr val="accent1">
-              <a:shade val="50000"/>
-            </a:schemeClr>
-          </a:lnRef>
-          <a:fillRef idx="1">
-            <a:schemeClr val="accent1"/>
-          </a:fillRef>
-          <a:effectRef idx="0">
-            <a:schemeClr val="accent1"/>
-          </a:effectRef>
-          <a:fontRef idx="minor">
-            <a:schemeClr val="lt1"/>
-          </a:fontRef>
-        </p:style>
-        <p:txBody>
-          <a:bodyPr rtlCol="0" anchor="ctr"/>
-          <a:lstStyle/>
-          <a:p>
-            <a:pPr algn="ctr"/>
-            <a:r>
-              <a:rPr lang="en-US" dirty="0">
-                <a:solidFill>
-                  <a:schemeClr val="tx1"/>
-                </a:solidFill>
-              </a:rPr>
-              <a:t>Mutual Information (124)</a:t>
-            </a:r>
-          </a:p>
-          <a:p>
-            <a:pPr algn="ctr"/>
-            <a:endParaRPr lang="en-US" dirty="0">
-              <a:solidFill>
-                <a:schemeClr val="tx1"/>
-              </a:solidFill>
-            </a:endParaRPr>
-          </a:p>
-        </p:txBody>
-      </p:sp>
-      <p:sp>
-        <p:nvSpPr>
-          <p:cNvPr id="29" name="Oval 28">
-            <a:extLst>
-              <a:ext uri="{FF2B5EF4-FFF2-40B4-BE49-F238E27FC236}">
-                <a16:creationId xmlns:a16="http://schemas.microsoft.com/office/drawing/2014/main" id="{F7FD288D-8D8B-724B-BC85-3EDE2835201A}"/>
-              </a:ext>
-            </a:extLst>
-          </p:cNvPr>
-          <p:cNvSpPr/>
-          <p:nvPr/>
-        </p:nvSpPr>
-        <p:spPr>
-          <a:xfrm>
-            <a:off x="1995528" y="3786112"/>
-            <a:ext cx="2080000" cy="2080000"/>
-          </a:xfrm>
-          <a:prstGeom prst="ellipse">
-            <a:avLst/>
-          </a:prstGeom>
-          <a:solidFill>
-            <a:schemeClr val="accent3">
-              <a:lumMod val="40000"/>
-              <a:lumOff val="60000"/>
-              <a:alpha val="50000"/>
-            </a:schemeClr>
-          </a:solidFill>
-        </p:spPr>
-        <p:style>
-          <a:lnRef idx="2">
-            <a:schemeClr val="accent1">
-              <a:shade val="50000"/>
-            </a:schemeClr>
-          </a:lnRef>
-          <a:fillRef idx="1">
-            <a:schemeClr val="accent1"/>
-          </a:fillRef>
-          <a:effectRef idx="0">
-            <a:schemeClr val="accent1"/>
-          </a:effectRef>
-          <a:fontRef idx="minor">
-            <a:schemeClr val="lt1"/>
-          </a:fontRef>
-        </p:style>
-        <p:txBody>
-          <a:bodyPr rtlCol="0" anchor="ctr"/>
-          <a:lstStyle/>
-          <a:p>
-            <a:pPr algn="ctr"/>
-            <a:r>
-              <a:rPr lang="en-US" dirty="0">
-                <a:solidFill>
-                  <a:schemeClr val="tx1"/>
-                </a:solidFill>
-              </a:rPr>
-              <a:t>Lasso Regression (104)</a:t>
-            </a:r>
-          </a:p>
-        </p:txBody>
-      </p:sp>
-      <p:sp>
-        <p:nvSpPr>
-          <p:cNvPr id="30" name="Oval 29">
-            <a:extLst>
-              <a:ext uri="{FF2B5EF4-FFF2-40B4-BE49-F238E27FC236}">
-                <a16:creationId xmlns:a16="http://schemas.microsoft.com/office/drawing/2014/main" id="{ED3EE3C1-B20F-7E4A-8E81-1EDD442BD93D}"/>
-              </a:ext>
-            </a:extLst>
-          </p:cNvPr>
-          <p:cNvSpPr/>
-          <p:nvPr/>
-        </p:nvSpPr>
-        <p:spPr>
-          <a:xfrm>
-            <a:off x="327413" y="3606786"/>
-            <a:ext cx="2080000" cy="2080000"/>
-          </a:xfrm>
-          <a:prstGeom prst="ellipse">
-            <a:avLst/>
-          </a:prstGeom>
-          <a:solidFill>
-            <a:schemeClr val="accent3">
-              <a:lumMod val="40000"/>
-              <a:lumOff val="60000"/>
-              <a:alpha val="50000"/>
-            </a:schemeClr>
-          </a:solidFill>
-        </p:spPr>
-        <p:style>
-          <a:lnRef idx="2">
-            <a:schemeClr val="accent1">
-              <a:shade val="50000"/>
-            </a:schemeClr>
-          </a:lnRef>
-          <a:fillRef idx="1">
-            <a:schemeClr val="accent1"/>
-          </a:fillRef>
-          <a:effectRef idx="0">
-            <a:schemeClr val="accent1"/>
-          </a:effectRef>
-          <a:fontRef idx="minor">
-            <a:schemeClr val="lt1"/>
-          </a:fontRef>
-        </p:style>
-        <p:txBody>
-          <a:bodyPr rtlCol="0" anchor="ctr"/>
-          <a:lstStyle/>
-          <a:p>
-            <a:pPr algn="ctr"/>
-            <a:r>
-              <a:rPr lang="en-US" dirty="0">
-                <a:solidFill>
-                  <a:schemeClr val="tx1"/>
-                </a:solidFill>
-              </a:rPr>
-              <a:t>Forward Selection (117)</a:t>
-            </a:r>
-          </a:p>
-        </p:txBody>
-      </p:sp>
-      <p:sp>
-        <p:nvSpPr>
-          <p:cNvPr id="31" name="Rectangle 30">
-            <a:extLst>
-              <a:ext uri="{FF2B5EF4-FFF2-40B4-BE49-F238E27FC236}">
-                <a16:creationId xmlns:a16="http://schemas.microsoft.com/office/drawing/2014/main" id="{993D9ED6-71D6-9640-AA0B-741DB66FF3C4}"/>
-              </a:ext>
-            </a:extLst>
-          </p:cNvPr>
-          <p:cNvSpPr/>
-          <p:nvPr/>
-        </p:nvSpPr>
-        <p:spPr>
-          <a:xfrm>
-            <a:off x="1103664" y="5928371"/>
-            <a:ext cx="2240305" cy="662782"/>
+            <a:off x="1557936" y="4613300"/>
+            <a:ext cx="1371601" cy="1274028"/>
           </a:xfrm>
           <a:prstGeom prst="rect">
             <a:avLst/>
@@ -5081,33 +5501,33 @@
           <a:p>
             <a:pPr algn="ctr"/>
             <a:r>
-              <a:rPr lang="en-US" b="1" dirty="0">
+              <a:rPr lang="en-US" sz="1600" b="1" dirty="0">
                 <a:solidFill>
                   <a:sysClr val="windowText" lastClr="000000"/>
                 </a:solidFill>
               </a:rPr>
-              <a:t>Dataset</a:t>
+              <a:t>Mutual Information</a:t>
             </a:r>
           </a:p>
           <a:p>
             <a:pPr algn="ctr"/>
             <a:r>
-              <a:rPr lang="en-US" dirty="0">
+              <a:rPr lang="en-US" sz="1600" dirty="0">
                 <a:solidFill>
                   <a:sysClr val="windowText" lastClr="000000"/>
                 </a:solidFill>
               </a:rPr>
-              <a:t>256 columns</a:t>
-            </a:r>
-          </a:p>
-        </p:txBody>
-      </p:sp>
-      <p:sp>
-        <p:nvSpPr>
-          <p:cNvPr id="27" name="Down Arrow 26">
-            <a:extLst>
-              <a:ext uri="{FF2B5EF4-FFF2-40B4-BE49-F238E27FC236}">
-                <a16:creationId xmlns:a16="http://schemas.microsoft.com/office/drawing/2014/main" id="{91E2D3DF-37AF-1642-ABAC-2B44B3AC0F38}"/>
+              <a:t>120 features</a:t>
+            </a:r>
+          </a:p>
+        </p:txBody>
+      </p:sp>
+      <p:sp>
+        <p:nvSpPr>
+          <p:cNvPr id="117" name="Rectangle 116">
+            <a:extLst>
+              <a:ext uri="{FF2B5EF4-FFF2-40B4-BE49-F238E27FC236}">
+                <a16:creationId xmlns:a16="http://schemas.microsoft.com/office/drawing/2014/main" id="{E5D83326-D5B9-E14A-99A0-643A4351D86B}"/>
               </a:ext>
             </a:extLst>
           </p:cNvPr>
@@ -5115,121 +5535,9 @@
           <p:nvPr/>
         </p:nvSpPr>
         <p:spPr>
-          <a:xfrm rot="16200000">
-            <a:off x="4251603" y="2653576"/>
-            <a:ext cx="2669756" cy="2344423"/>
-          </a:xfrm>
-          <a:prstGeom prst="downArrow">
-            <a:avLst>
-              <a:gd name="adj1" fmla="val 70276"/>
-              <a:gd name="adj2" fmla="val 23188"/>
-            </a:avLst>
-          </a:prstGeom>
-        </p:spPr>
-        <p:style>
-          <a:lnRef idx="2">
-            <a:schemeClr val="accent1">
-              <a:shade val="50000"/>
-            </a:schemeClr>
-          </a:lnRef>
-          <a:fillRef idx="1">
-            <a:schemeClr val="accent1"/>
-          </a:fillRef>
-          <a:effectRef idx="0">
-            <a:schemeClr val="accent1"/>
-          </a:effectRef>
-          <a:fontRef idx="minor">
-            <a:schemeClr val="lt1"/>
-          </a:fontRef>
-        </p:style>
-        <p:txBody>
-          <a:bodyPr vert="vert" rtlCol="0" anchor="ctr"/>
-          <a:lstStyle/>
-          <a:p>
-            <a:pPr algn="ctr"/>
-            <a:r>
-              <a:rPr lang="en-US" dirty="0">
-                <a:solidFill>
-                  <a:schemeClr val="bg1"/>
-                </a:solidFill>
-              </a:rPr>
-              <a:t>Keep only features in 2+ methods</a:t>
-            </a:r>
-          </a:p>
-        </p:txBody>
-      </p:sp>
-      <p:sp>
-        <p:nvSpPr>
-          <p:cNvPr id="32" name="Rectangle 31">
-            <a:extLst>
-              <a:ext uri="{FF2B5EF4-FFF2-40B4-BE49-F238E27FC236}">
-                <a16:creationId xmlns:a16="http://schemas.microsoft.com/office/drawing/2014/main" id="{578D250B-1855-8743-B776-8A3F8DB110A0}"/>
-              </a:ext>
-            </a:extLst>
-          </p:cNvPr>
-          <p:cNvSpPr/>
-          <p:nvPr/>
-        </p:nvSpPr>
-        <p:spPr>
           <a:xfrm>
-            <a:off x="6316731" y="4070921"/>
-            <a:ext cx="780703" cy="499988"/>
-          </a:xfrm>
-          <a:prstGeom prst="rect">
-            <a:avLst/>
-          </a:prstGeom>
-          <a:solidFill>
-            <a:srgbClr val="C00000"/>
-          </a:solidFill>
-        </p:spPr>
-        <p:style>
-          <a:lnRef idx="2">
-            <a:schemeClr val="accent1">
-              <a:shade val="50000"/>
-            </a:schemeClr>
-          </a:lnRef>
-          <a:fillRef idx="1">
-            <a:schemeClr val="accent1"/>
-          </a:fillRef>
-          <a:effectRef idx="0">
-            <a:schemeClr val="accent1"/>
-          </a:effectRef>
-          <a:fontRef idx="minor">
-            <a:schemeClr val="lt1"/>
-          </a:fontRef>
-        </p:style>
-        <p:txBody>
-          <a:bodyPr rtlCol="0" anchor="ctr"/>
-          <a:lstStyle/>
-          <a:p>
-            <a:pPr algn="ctr"/>
-            <a:r>
-              <a:rPr lang="en-US" b="1" dirty="0">
-                <a:solidFill>
-                  <a:schemeClr val="bg1"/>
-                </a:solidFill>
-              </a:rPr>
-              <a:t>- 173</a:t>
-            </a:r>
-          </a:p>
-        </p:txBody>
-      </p:sp>
-      <p:sp>
-        <p:nvSpPr>
-          <p:cNvPr id="33" name="Rectangle 32">
-            <a:extLst>
-              <a:ext uri="{FF2B5EF4-FFF2-40B4-BE49-F238E27FC236}">
-                <a16:creationId xmlns:a16="http://schemas.microsoft.com/office/drawing/2014/main" id="{4638F223-2506-8F45-9447-21B255E201AB}"/>
-              </a:ext>
-            </a:extLst>
-          </p:cNvPr>
-          <p:cNvSpPr/>
-          <p:nvPr/>
-        </p:nvSpPr>
-        <p:spPr>
-          <a:xfrm>
-            <a:off x="7411759" y="2831354"/>
-            <a:ext cx="2240305" cy="1739555"/>
+            <a:off x="1551391" y="3151994"/>
+            <a:ext cx="1371601" cy="1274028"/>
           </a:xfrm>
           <a:prstGeom prst="rect">
             <a:avLst/>
@@ -5263,53 +5571,480 @@
           <a:p>
             <a:pPr algn="ctr"/>
             <a:r>
-              <a:rPr lang="en-US" b="1" dirty="0">
+              <a:rPr lang="en-US" sz="1600" b="1" dirty="0">
                 <a:solidFill>
                   <a:sysClr val="windowText" lastClr="000000"/>
                 </a:solidFill>
               </a:rPr>
-              <a:t>Dataset</a:t>
+              <a:t>Forward Selection</a:t>
             </a:r>
           </a:p>
           <a:p>
             <a:pPr algn="ctr"/>
             <a:r>
-              <a:rPr lang="en-US" dirty="0">
+              <a:rPr lang="en-US" sz="1600" dirty="0">
                 <a:solidFill>
                   <a:sysClr val="windowText" lastClr="000000"/>
                 </a:solidFill>
               </a:rPr>
-              <a:t>79 columns</a:t>
-            </a:r>
-          </a:p>
+              <a:t>135 features</a:t>
+            </a:r>
+          </a:p>
+        </p:txBody>
+      </p:sp>
+      <p:sp>
+        <p:nvSpPr>
+          <p:cNvPr id="118" name="Rectangle 117">
+            <a:extLst>
+              <a:ext uri="{FF2B5EF4-FFF2-40B4-BE49-F238E27FC236}">
+                <a16:creationId xmlns:a16="http://schemas.microsoft.com/office/drawing/2014/main" id="{E3B8F615-2A57-EC4A-A3A0-33AAF3FAF9F0}"/>
+              </a:ext>
+            </a:extLst>
+          </p:cNvPr>
+          <p:cNvSpPr/>
+          <p:nvPr/>
+        </p:nvSpPr>
+        <p:spPr>
+          <a:xfrm>
+            <a:off x="1557936" y="1690688"/>
+            <a:ext cx="1371601" cy="1274028"/>
+          </a:xfrm>
+          <a:prstGeom prst="rect">
+            <a:avLst/>
+          </a:prstGeom>
+          <a:solidFill>
+            <a:schemeClr val="accent1">
+              <a:lumMod val="40000"/>
+              <a:lumOff val="60000"/>
+            </a:schemeClr>
+          </a:solidFill>
+        </p:spPr>
+        <p:style>
+          <a:lnRef idx="2">
+            <a:schemeClr val="accent1">
+              <a:shade val="50000"/>
+            </a:schemeClr>
+          </a:lnRef>
+          <a:fillRef idx="1">
+            <a:schemeClr val="accent1"/>
+          </a:fillRef>
+          <a:effectRef idx="0">
+            <a:schemeClr val="accent1"/>
+          </a:effectRef>
+          <a:fontRef idx="minor">
+            <a:schemeClr val="lt1"/>
+          </a:fontRef>
+        </p:style>
+        <p:txBody>
+          <a:bodyPr rtlCol="0" anchor="ctr"/>
+          <a:lstStyle/>
           <a:p>
             <a:pPr algn="ctr"/>
-            <a:endParaRPr lang="en-US" dirty="0">
-              <a:solidFill>
-                <a:sysClr val="windowText" lastClr="000000"/>
-              </a:solidFill>
-            </a:endParaRPr>
-          </a:p>
-          <a:p>
-            <a:pPr algn="ctr"/>
-            <a:r>
-              <a:rPr lang="en-US" dirty="0">
+            <a:r>
+              <a:rPr lang="en-US" sz="1600" b="1" dirty="0">
                 <a:solidFill>
                   <a:sysClr val="windowText" lastClr="000000"/>
                 </a:solidFill>
               </a:rPr>
-              <a:t>78 features</a:t>
+              <a:t>Lasso Regression</a:t>
             </a:r>
           </a:p>
           <a:p>
             <a:pPr algn="ctr"/>
             <a:r>
-              <a:rPr lang="en-US" dirty="0">
+              <a:rPr lang="en-US" sz="1600" dirty="0">
                 <a:solidFill>
                   <a:sysClr val="windowText" lastClr="000000"/>
                 </a:solidFill>
               </a:rPr>
-              <a:t>1 target</a:t>
+              <a:t>132 features</a:t>
+            </a:r>
+          </a:p>
+        </p:txBody>
+      </p:sp>
+      <p:cxnSp>
+        <p:nvCxnSpPr>
+          <p:cNvPr id="127" name="Elbow Connector 126">
+            <a:extLst>
+              <a:ext uri="{FF2B5EF4-FFF2-40B4-BE49-F238E27FC236}">
+                <a16:creationId xmlns:a16="http://schemas.microsoft.com/office/drawing/2014/main" id="{7D5F05F7-8213-8941-A34F-2EB0BD5B7057}"/>
+              </a:ext>
+            </a:extLst>
+          </p:cNvPr>
+          <p:cNvCxnSpPr>
+            <a:cxnSpLocks/>
+            <a:endCxn id="153" idx="1"/>
+          </p:cNvCxnSpPr>
+          <p:nvPr/>
+        </p:nvCxnSpPr>
+        <p:spPr>
+          <a:xfrm>
+            <a:off x="2929537" y="2327702"/>
+            <a:ext cx="2434333" cy="1461306"/>
+          </a:xfrm>
+          <a:prstGeom prst="bentConnector3">
+            <a:avLst>
+              <a:gd name="adj1" fmla="val 20785"/>
+            </a:avLst>
+          </a:prstGeom>
+          <a:ln>
+            <a:tailEnd type="triangle" w="lg" len="lg"/>
+          </a:ln>
+        </p:spPr>
+        <p:style>
+          <a:lnRef idx="1">
+            <a:schemeClr val="accent1"/>
+          </a:lnRef>
+          <a:fillRef idx="0">
+            <a:schemeClr val="accent1"/>
+          </a:fillRef>
+          <a:effectRef idx="0">
+            <a:schemeClr val="accent1"/>
+          </a:effectRef>
+          <a:fontRef idx="minor">
+            <a:schemeClr val="tx1"/>
+          </a:fontRef>
+        </p:style>
+      </p:cxnSp>
+      <p:cxnSp>
+        <p:nvCxnSpPr>
+          <p:cNvPr id="131" name="Straight Arrow Connector 130">
+            <a:extLst>
+              <a:ext uri="{FF2B5EF4-FFF2-40B4-BE49-F238E27FC236}">
+                <a16:creationId xmlns:a16="http://schemas.microsoft.com/office/drawing/2014/main" id="{EFA48BA0-10D1-2746-8B6A-8BC0A4C251A7}"/>
+              </a:ext>
+            </a:extLst>
+          </p:cNvPr>
+          <p:cNvCxnSpPr>
+            <a:cxnSpLocks/>
+          </p:cNvCxnSpPr>
+          <p:nvPr/>
+        </p:nvCxnSpPr>
+        <p:spPr>
+          <a:xfrm>
+            <a:off x="2922992" y="3789008"/>
+            <a:ext cx="442508" cy="0"/>
+          </a:xfrm>
+          <a:prstGeom prst="straightConnector1">
+            <a:avLst/>
+          </a:prstGeom>
+          <a:ln>
+            <a:tailEnd type="triangle" w="lg" len="lg"/>
+          </a:ln>
+        </p:spPr>
+        <p:style>
+          <a:lnRef idx="1">
+            <a:schemeClr val="accent1"/>
+          </a:lnRef>
+          <a:fillRef idx="0">
+            <a:schemeClr val="accent1"/>
+          </a:fillRef>
+          <a:effectRef idx="0">
+            <a:schemeClr val="accent1"/>
+          </a:effectRef>
+          <a:fontRef idx="minor">
+            <a:schemeClr val="tx1"/>
+          </a:fontRef>
+        </p:style>
+      </p:cxnSp>
+      <p:cxnSp>
+        <p:nvCxnSpPr>
+          <p:cNvPr id="135" name="Straight Arrow Connector 134">
+            <a:extLst>
+              <a:ext uri="{FF2B5EF4-FFF2-40B4-BE49-F238E27FC236}">
+                <a16:creationId xmlns:a16="http://schemas.microsoft.com/office/drawing/2014/main" id="{86C5BBFD-5AE6-634B-8E06-58B3C7B342F4}"/>
+              </a:ext>
+            </a:extLst>
+          </p:cNvPr>
+          <p:cNvCxnSpPr>
+            <a:cxnSpLocks/>
+          </p:cNvCxnSpPr>
+          <p:nvPr/>
+        </p:nvCxnSpPr>
+        <p:spPr>
+          <a:xfrm>
+            <a:off x="3440633" y="2496364"/>
+            <a:ext cx="0" cy="609549"/>
+          </a:xfrm>
+          <a:prstGeom prst="straightConnector1">
+            <a:avLst/>
+          </a:prstGeom>
+          <a:ln>
+            <a:tailEnd type="triangle" w="lg" len="lg"/>
+          </a:ln>
+        </p:spPr>
+        <p:style>
+          <a:lnRef idx="1">
+            <a:schemeClr val="accent1"/>
+          </a:lnRef>
+          <a:fillRef idx="0">
+            <a:schemeClr val="accent1"/>
+          </a:fillRef>
+          <a:effectRef idx="0">
+            <a:schemeClr val="accent1"/>
+          </a:effectRef>
+          <a:fontRef idx="minor">
+            <a:schemeClr val="tx1"/>
+          </a:fontRef>
+        </p:style>
+      </p:cxnSp>
+      <p:cxnSp>
+        <p:nvCxnSpPr>
+          <p:cNvPr id="137" name="Straight Arrow Connector 136">
+            <a:extLst>
+              <a:ext uri="{FF2B5EF4-FFF2-40B4-BE49-F238E27FC236}">
+                <a16:creationId xmlns:a16="http://schemas.microsoft.com/office/drawing/2014/main" id="{FA2D6682-42BF-774D-921F-E427B01CCFDD}"/>
+              </a:ext>
+            </a:extLst>
+          </p:cNvPr>
+          <p:cNvCxnSpPr>
+            <a:cxnSpLocks/>
+          </p:cNvCxnSpPr>
+          <p:nvPr/>
+        </p:nvCxnSpPr>
+        <p:spPr>
+          <a:xfrm flipV="1">
+            <a:off x="3440633" y="4519661"/>
+            <a:ext cx="0" cy="629758"/>
+          </a:xfrm>
+          <a:prstGeom prst="straightConnector1">
+            <a:avLst/>
+          </a:prstGeom>
+          <a:ln>
+            <a:tailEnd type="triangle" w="lg" len="lg"/>
+          </a:ln>
+        </p:spPr>
+        <p:style>
+          <a:lnRef idx="1">
+            <a:schemeClr val="accent1"/>
+          </a:lnRef>
+          <a:fillRef idx="0">
+            <a:schemeClr val="accent1"/>
+          </a:fillRef>
+          <a:effectRef idx="0">
+            <a:schemeClr val="accent1"/>
+          </a:effectRef>
+          <a:fontRef idx="minor">
+            <a:schemeClr val="tx1"/>
+          </a:fontRef>
+        </p:style>
+      </p:cxnSp>
+      <p:cxnSp>
+        <p:nvCxnSpPr>
+          <p:cNvPr id="148" name="Straight Arrow Connector 147">
+            <a:extLst>
+              <a:ext uri="{FF2B5EF4-FFF2-40B4-BE49-F238E27FC236}">
+                <a16:creationId xmlns:a16="http://schemas.microsoft.com/office/drawing/2014/main" id="{0021171F-0375-AA49-85AA-EC228F9D290F}"/>
+              </a:ext>
+            </a:extLst>
+          </p:cNvPr>
+          <p:cNvCxnSpPr>
+            <a:cxnSpLocks/>
+          </p:cNvCxnSpPr>
+          <p:nvPr/>
+        </p:nvCxnSpPr>
+        <p:spPr>
+          <a:xfrm>
+            <a:off x="3144246" y="3789008"/>
+            <a:ext cx="442508" cy="0"/>
+          </a:xfrm>
+          <a:prstGeom prst="straightConnector1">
+            <a:avLst/>
+          </a:prstGeom>
+          <a:ln>
+            <a:tailEnd type="none" w="lg" len="lg"/>
+          </a:ln>
+        </p:spPr>
+        <p:style>
+          <a:lnRef idx="1">
+            <a:schemeClr val="accent1"/>
+          </a:lnRef>
+          <a:fillRef idx="0">
+            <a:schemeClr val="accent1"/>
+          </a:fillRef>
+          <a:effectRef idx="0">
+            <a:schemeClr val="accent1"/>
+          </a:effectRef>
+          <a:fontRef idx="minor">
+            <a:schemeClr val="tx1"/>
+          </a:fontRef>
+        </p:style>
+      </p:cxnSp>
+      <p:sp>
+        <p:nvSpPr>
+          <p:cNvPr id="149" name="TextBox 148">
+            <a:extLst>
+              <a:ext uri="{FF2B5EF4-FFF2-40B4-BE49-F238E27FC236}">
+                <a16:creationId xmlns:a16="http://schemas.microsoft.com/office/drawing/2014/main" id="{AF0D3EF8-5568-244B-A128-B6A5530557F0}"/>
+              </a:ext>
+            </a:extLst>
+          </p:cNvPr>
+          <p:cNvSpPr txBox="1"/>
+          <p:nvPr/>
+        </p:nvSpPr>
+        <p:spPr>
+          <a:xfrm>
+            <a:off x="3716051" y="2677982"/>
+            <a:ext cx="1426906" cy="1077218"/>
+          </a:xfrm>
+          <a:prstGeom prst="rect">
+            <a:avLst/>
+          </a:prstGeom>
+          <a:noFill/>
+        </p:spPr>
+        <p:txBody>
+          <a:bodyPr wrap="square" rtlCol="0">
+            <a:spAutoFit/>
+          </a:bodyPr>
+          <a:lstStyle/>
+          <a:p>
+            <a:r>
+              <a:rPr lang="en-US" sz="1600" b="1" i="1" dirty="0"/>
+              <a:t>Drop features that were selected in </a:t>
+            </a:r>
+          </a:p>
+          <a:p>
+            <a:r>
+              <a:rPr lang="en-US" sz="1600" b="1" i="1" dirty="0"/>
+              <a:t>&lt; 2 methods</a:t>
+            </a:r>
+          </a:p>
+        </p:txBody>
+      </p:sp>
+      <p:sp>
+        <p:nvSpPr>
+          <p:cNvPr id="152" name="Rectangle 151">
+            <a:extLst>
+              <a:ext uri="{FF2B5EF4-FFF2-40B4-BE49-F238E27FC236}">
+                <a16:creationId xmlns:a16="http://schemas.microsoft.com/office/drawing/2014/main" id="{07E79198-E0B4-4E44-802E-1AB474B1ACE7}"/>
+              </a:ext>
+            </a:extLst>
+          </p:cNvPr>
+          <p:cNvSpPr/>
+          <p:nvPr/>
+        </p:nvSpPr>
+        <p:spPr>
+          <a:xfrm>
+            <a:off x="3856823" y="3856624"/>
+            <a:ext cx="843285" cy="530403"/>
+          </a:xfrm>
+          <a:prstGeom prst="rect">
+            <a:avLst/>
+          </a:prstGeom>
+          <a:noFill/>
+          <a:ln>
+            <a:noFill/>
+          </a:ln>
+        </p:spPr>
+        <p:style>
+          <a:lnRef idx="2">
+            <a:schemeClr val="accent1">
+              <a:shade val="50000"/>
+            </a:schemeClr>
+          </a:lnRef>
+          <a:fillRef idx="1">
+            <a:schemeClr val="accent1"/>
+          </a:fillRef>
+          <a:effectRef idx="0">
+            <a:schemeClr val="accent1"/>
+          </a:effectRef>
+          <a:fontRef idx="minor">
+            <a:schemeClr val="lt1"/>
+          </a:fontRef>
+        </p:style>
+        <p:txBody>
+          <a:bodyPr rtlCol="0" anchor="ctr"/>
+          <a:lstStyle/>
+          <a:p>
+            <a:pPr algn="ctr"/>
+            <a:r>
+              <a:rPr lang="en-US" sz="1400" b="1" i="1" dirty="0">
+                <a:solidFill>
+                  <a:srgbClr val="C00000"/>
+                </a:solidFill>
+              </a:rPr>
+              <a:t>- 371 features</a:t>
+            </a:r>
+          </a:p>
+        </p:txBody>
+      </p:sp>
+      <p:sp>
+        <p:nvSpPr>
+          <p:cNvPr id="153" name="Rectangle 152">
+            <a:extLst>
+              <a:ext uri="{FF2B5EF4-FFF2-40B4-BE49-F238E27FC236}">
+                <a16:creationId xmlns:a16="http://schemas.microsoft.com/office/drawing/2014/main" id="{28B6C9C3-C398-4A46-A2F0-A5E548252246}"/>
+              </a:ext>
+            </a:extLst>
+          </p:cNvPr>
+          <p:cNvSpPr/>
+          <p:nvPr/>
+        </p:nvSpPr>
+        <p:spPr>
+          <a:xfrm>
+            <a:off x="5363870" y="2876527"/>
+            <a:ext cx="2466414" cy="1824962"/>
+          </a:xfrm>
+          <a:prstGeom prst="rect">
+            <a:avLst/>
+          </a:prstGeom>
+          <a:solidFill>
+            <a:schemeClr val="accent1">
+              <a:lumMod val="40000"/>
+              <a:lumOff val="60000"/>
+            </a:schemeClr>
+          </a:solidFill>
+        </p:spPr>
+        <p:style>
+          <a:lnRef idx="2">
+            <a:schemeClr val="accent1">
+              <a:shade val="50000"/>
+            </a:schemeClr>
+          </a:lnRef>
+          <a:fillRef idx="1">
+            <a:schemeClr val="accent1"/>
+          </a:fillRef>
+          <a:effectRef idx="0">
+            <a:schemeClr val="accent1"/>
+          </a:effectRef>
+          <a:fontRef idx="minor">
+            <a:schemeClr val="lt1"/>
+          </a:fontRef>
+        </p:style>
+        <p:txBody>
+          <a:bodyPr rtlCol="0" anchor="ctr"/>
+          <a:lstStyle/>
+          <a:p>
+            <a:pPr algn="ctr"/>
+            <a:r>
+              <a:rPr lang="en-US" sz="2000" b="1" dirty="0">
+                <a:solidFill>
+                  <a:sysClr val="windowText" lastClr="000000"/>
+                </a:solidFill>
+              </a:rPr>
+              <a:t>Fully Reduced Dataset</a:t>
+            </a:r>
+          </a:p>
+          <a:p>
+            <a:pPr algn="ctr"/>
+            <a:r>
+              <a:rPr lang="en-US" sz="2000" dirty="0">
+                <a:solidFill>
+                  <a:sysClr val="windowText" lastClr="000000"/>
+                </a:solidFill>
+              </a:rPr>
+              <a:t>95 features</a:t>
+            </a:r>
+          </a:p>
+          <a:p>
+            <a:pPr algn="ctr"/>
+            <a:r>
+              <a:rPr lang="en-US" sz="2000" dirty="0">
+                <a:solidFill>
+                  <a:sysClr val="windowText" lastClr="000000"/>
+                </a:solidFill>
+              </a:rPr>
+              <a:t>1 label</a:t>
             </a:r>
           </a:p>
         </p:txBody>
@@ -5317,7 +6052,7 @@
     </p:spTree>
     <p:extLst>
       <p:ext uri="{BB962C8B-B14F-4D97-AF65-F5344CB8AC3E}">
-        <p14:creationId xmlns:p14="http://schemas.microsoft.com/office/powerpoint/2010/main" val="1811362107"/>
+        <p14:creationId xmlns:p14="http://schemas.microsoft.com/office/powerpoint/2010/main" val="664558289"/>
       </p:ext>
     </p:extLst>
   </p:cSld>
@@ -5620,4 +6355,299 @@
     </a:ext>
   </a:extLst>
 </a:theme>
+</file>
+
+<file path=ppt/theme/theme2.xml><?xml version="1.0" encoding="utf-8"?>
+<a:theme xmlns:a="http://schemas.openxmlformats.org/drawingml/2006/main" name="Office Theme">
+  <a:themeElements>
+    <a:clrScheme name="Office">
+      <a:dk1>
+        <a:sysClr val="windowText" lastClr="000000"/>
+      </a:dk1>
+      <a:lt1>
+        <a:sysClr val="window" lastClr="FFFFFF"/>
+      </a:lt1>
+      <a:dk2>
+        <a:srgbClr val="44546A"/>
+      </a:dk2>
+      <a:lt2>
+        <a:srgbClr val="E7E6E6"/>
+      </a:lt2>
+      <a:accent1>
+        <a:srgbClr val="4472C4"/>
+      </a:accent1>
+      <a:accent2>
+        <a:srgbClr val="ED7D31"/>
+      </a:accent2>
+      <a:accent3>
+        <a:srgbClr val="A5A5A5"/>
+      </a:accent3>
+      <a:accent4>
+        <a:srgbClr val="FFC000"/>
+      </a:accent4>
+      <a:accent5>
+        <a:srgbClr val="5B9BD5"/>
+      </a:accent5>
+      <a:accent6>
+        <a:srgbClr val="70AD47"/>
+      </a:accent6>
+      <a:hlink>
+        <a:srgbClr val="0563C1"/>
+      </a:hlink>
+      <a:folHlink>
+        <a:srgbClr val="954F72"/>
+      </a:folHlink>
+    </a:clrScheme>
+    <a:fontScheme name="Office">
+      <a:majorFont>
+        <a:latin typeface="Calibri Light" panose="020F0302020204030204"/>
+        <a:ea typeface=""/>
+        <a:cs typeface=""/>
+        <a:font script="Jpan" typeface="游ゴシック Light"/>
+        <a:font script="Hang" typeface="맑은 고딕"/>
+        <a:font script="Hans" typeface="等线 Light"/>
+        <a:font script="Hant" typeface="新細明體"/>
+        <a:font script="Arab" typeface="Times New Roman"/>
+        <a:font script="Hebr" typeface="Times New Roman"/>
+        <a:font script="Thai" typeface="Angsana New"/>
+        <a:font script="Ethi" typeface="Nyala"/>
+        <a:font script="Beng" typeface="Vrinda"/>
+        <a:font script="Gujr" typeface="Shruti"/>
+        <a:font script="Khmr" typeface="MoolBoran"/>
+        <a:font script="Knda" typeface="Tunga"/>
+        <a:font script="Guru" typeface="Raavi"/>
+        <a:font script="Cans" typeface="Euphemia"/>
+        <a:font script="Cher" typeface="Plantagenet Cherokee"/>
+        <a:font script="Yiii" typeface="Microsoft Yi Baiti"/>
+        <a:font script="Tibt" typeface="Microsoft Himalaya"/>
+        <a:font script="Thaa" typeface="MV Boli"/>
+        <a:font script="Deva" typeface="Mangal"/>
+        <a:font script="Telu" typeface="Gautami"/>
+        <a:font script="Taml" typeface="Latha"/>
+        <a:font script="Syrc" typeface="Estrangelo Edessa"/>
+        <a:font script="Orya" typeface="Kalinga"/>
+        <a:font script="Mlym" typeface="Kartika"/>
+        <a:font script="Laoo" typeface="DokChampa"/>
+        <a:font script="Sinh" typeface="Iskoola Pota"/>
+        <a:font script="Mong" typeface="Mongolian Baiti"/>
+        <a:font script="Viet" typeface="Times New Roman"/>
+        <a:font script="Uigh" typeface="Microsoft Uighur"/>
+        <a:font script="Geor" typeface="Sylfaen"/>
+        <a:font script="Armn" typeface="Arial"/>
+        <a:font script="Bugi" typeface="Leelawadee UI"/>
+        <a:font script="Bopo" typeface="Microsoft JhengHei"/>
+        <a:font script="Java" typeface="Javanese Text"/>
+        <a:font script="Lisu" typeface="Segoe UI"/>
+        <a:font script="Mymr" typeface="Myanmar Text"/>
+        <a:font script="Nkoo" typeface="Ebrima"/>
+        <a:font script="Olck" typeface="Nirmala UI"/>
+        <a:font script="Osma" typeface="Ebrima"/>
+        <a:font script="Phag" typeface="Phagspa"/>
+        <a:font script="Syrn" typeface="Estrangelo Edessa"/>
+        <a:font script="Syrj" typeface="Estrangelo Edessa"/>
+        <a:font script="Syre" typeface="Estrangelo Edessa"/>
+        <a:font script="Sora" typeface="Nirmala UI"/>
+        <a:font script="Tale" typeface="Microsoft Tai Le"/>
+        <a:font script="Talu" typeface="Microsoft New Tai Lue"/>
+        <a:font script="Tfng" typeface="Ebrima"/>
+      </a:majorFont>
+      <a:minorFont>
+        <a:latin typeface="Calibri" panose="020F0502020204030204"/>
+        <a:ea typeface=""/>
+        <a:cs typeface=""/>
+        <a:font script="Jpan" typeface="游ゴシック"/>
+        <a:font script="Hang" typeface="맑은 고딕"/>
+        <a:font script="Hans" typeface="等线"/>
+        <a:font script="Hant" typeface="新細明體"/>
+        <a:font script="Arab" typeface="Arial"/>
+        <a:font script="Hebr" typeface="Arial"/>
+        <a:font script="Thai" typeface="Cordia New"/>
+        <a:font script="Ethi" typeface="Nyala"/>
+        <a:font script="Beng" typeface="Vrinda"/>
+        <a:font script="Gujr" typeface="Shruti"/>
+        <a:font script="Khmr" typeface="DaunPenh"/>
+        <a:font script="Knda" typeface="Tunga"/>
+        <a:font script="Guru" typeface="Raavi"/>
+        <a:font script="Cans" typeface="Euphemia"/>
+        <a:font script="Cher" typeface="Plantagenet Cherokee"/>
+        <a:font script="Yiii" typeface="Microsoft Yi Baiti"/>
+        <a:font script="Tibt" typeface="Microsoft Himalaya"/>
+        <a:font script="Thaa" typeface="MV Boli"/>
+        <a:font script="Deva" typeface="Mangal"/>
+        <a:font script="Telu" typeface="Gautami"/>
+        <a:font script="Taml" typeface="Latha"/>
+        <a:font script="Syrc" typeface="Estrangelo Edessa"/>
+        <a:font script="Orya" typeface="Kalinga"/>
+        <a:font script="Mlym" typeface="Kartika"/>
+        <a:font script="Laoo" typeface="DokChampa"/>
+        <a:font script="Sinh" typeface="Iskoola Pota"/>
+        <a:font script="Mong" typeface="Mongolian Baiti"/>
+        <a:font script="Viet" typeface="Arial"/>
+        <a:font script="Uigh" typeface="Microsoft Uighur"/>
+        <a:font script="Geor" typeface="Sylfaen"/>
+        <a:font script="Armn" typeface="Arial"/>
+        <a:font script="Bugi" typeface="Leelawadee UI"/>
+        <a:font script="Bopo" typeface="Microsoft JhengHei"/>
+        <a:font script="Java" typeface="Javanese Text"/>
+        <a:font script="Lisu" typeface="Segoe UI"/>
+        <a:font script="Mymr" typeface="Myanmar Text"/>
+        <a:font script="Nkoo" typeface="Ebrima"/>
+        <a:font script="Olck" typeface="Nirmala UI"/>
+        <a:font script="Osma" typeface="Ebrima"/>
+        <a:font script="Phag" typeface="Phagspa"/>
+        <a:font script="Syrn" typeface="Estrangelo Edessa"/>
+        <a:font script="Syrj" typeface="Estrangelo Edessa"/>
+        <a:font script="Syre" typeface="Estrangelo Edessa"/>
+        <a:font script="Sora" typeface="Nirmala UI"/>
+        <a:font script="Tale" typeface="Microsoft Tai Le"/>
+        <a:font script="Talu" typeface="Microsoft New Tai Lue"/>
+        <a:font script="Tfng" typeface="Ebrima"/>
+      </a:minorFont>
+    </a:fontScheme>
+    <a:fmtScheme name="Office">
+      <a:fillStyleLst>
+        <a:solidFill>
+          <a:schemeClr val="phClr"/>
+        </a:solidFill>
+        <a:gradFill rotWithShape="1">
+          <a:gsLst>
+            <a:gs pos="0">
+              <a:schemeClr val="phClr">
+                <a:lumMod val="110000"/>
+                <a:satMod val="105000"/>
+                <a:tint val="67000"/>
+              </a:schemeClr>
+            </a:gs>
+            <a:gs pos="50000">
+              <a:schemeClr val="phClr">
+                <a:lumMod val="105000"/>
+                <a:satMod val="103000"/>
+                <a:tint val="73000"/>
+              </a:schemeClr>
+            </a:gs>
+            <a:gs pos="100000">
+              <a:schemeClr val="phClr">
+                <a:lumMod val="105000"/>
+                <a:satMod val="109000"/>
+                <a:tint val="81000"/>
+              </a:schemeClr>
+            </a:gs>
+          </a:gsLst>
+          <a:lin ang="5400000" scaled="0"/>
+        </a:gradFill>
+        <a:gradFill rotWithShape="1">
+          <a:gsLst>
+            <a:gs pos="0">
+              <a:schemeClr val="phClr">
+                <a:satMod val="103000"/>
+                <a:lumMod val="102000"/>
+                <a:tint val="94000"/>
+              </a:schemeClr>
+            </a:gs>
+            <a:gs pos="50000">
+              <a:schemeClr val="phClr">
+                <a:satMod val="110000"/>
+                <a:lumMod val="100000"/>
+                <a:shade val="100000"/>
+              </a:schemeClr>
+            </a:gs>
+            <a:gs pos="100000">
+              <a:schemeClr val="phClr">
+                <a:lumMod val="99000"/>
+                <a:satMod val="120000"/>
+                <a:shade val="78000"/>
+              </a:schemeClr>
+            </a:gs>
+          </a:gsLst>
+          <a:lin ang="5400000" scaled="0"/>
+        </a:gradFill>
+      </a:fillStyleLst>
+      <a:lnStyleLst>
+        <a:ln w="6350" cap="flat" cmpd="sng" algn="ctr">
+          <a:solidFill>
+            <a:schemeClr val="phClr"/>
+          </a:solidFill>
+          <a:prstDash val="solid"/>
+          <a:miter lim="800000"/>
+        </a:ln>
+        <a:ln w="12700" cap="flat" cmpd="sng" algn="ctr">
+          <a:solidFill>
+            <a:schemeClr val="phClr"/>
+          </a:solidFill>
+          <a:prstDash val="solid"/>
+          <a:miter lim="800000"/>
+        </a:ln>
+        <a:ln w="19050" cap="flat" cmpd="sng" algn="ctr">
+          <a:solidFill>
+            <a:schemeClr val="phClr"/>
+          </a:solidFill>
+          <a:prstDash val="solid"/>
+          <a:miter lim="800000"/>
+        </a:ln>
+      </a:lnStyleLst>
+      <a:effectStyleLst>
+        <a:effectStyle>
+          <a:effectLst/>
+        </a:effectStyle>
+        <a:effectStyle>
+          <a:effectLst/>
+        </a:effectStyle>
+        <a:effectStyle>
+          <a:effectLst>
+            <a:outerShdw blurRad="57150" dist="19050" dir="5400000" algn="ctr" rotWithShape="0">
+              <a:srgbClr val="000000">
+                <a:alpha val="63000"/>
+              </a:srgbClr>
+            </a:outerShdw>
+          </a:effectLst>
+        </a:effectStyle>
+      </a:effectStyleLst>
+      <a:bgFillStyleLst>
+        <a:solidFill>
+          <a:schemeClr val="phClr"/>
+        </a:solidFill>
+        <a:solidFill>
+          <a:schemeClr val="phClr">
+            <a:tint val="95000"/>
+            <a:satMod val="170000"/>
+          </a:schemeClr>
+        </a:solidFill>
+        <a:gradFill rotWithShape="1">
+          <a:gsLst>
+            <a:gs pos="0">
+              <a:schemeClr val="phClr">
+                <a:tint val="93000"/>
+                <a:satMod val="150000"/>
+                <a:shade val="98000"/>
+                <a:lumMod val="102000"/>
+              </a:schemeClr>
+            </a:gs>
+            <a:gs pos="50000">
+              <a:schemeClr val="phClr">
+                <a:tint val="98000"/>
+                <a:satMod val="130000"/>
+                <a:shade val="90000"/>
+                <a:lumMod val="103000"/>
+              </a:schemeClr>
+            </a:gs>
+            <a:gs pos="100000">
+              <a:schemeClr val="phClr">
+                <a:shade val="63000"/>
+                <a:satMod val="120000"/>
+              </a:schemeClr>
+            </a:gs>
+          </a:gsLst>
+          <a:lin ang="5400000" scaled="0"/>
+        </a:gradFill>
+      </a:bgFillStyleLst>
+    </a:fmtScheme>
+  </a:themeElements>
+  <a:objectDefaults/>
+  <a:extraClrSchemeLst/>
+  <a:extLst>
+    <a:ext uri="{05A4C25C-085E-4340-85A3-A5531E510DB2}">
+      <thm15:themeFamily xmlns:thm15="http://schemas.microsoft.com/office/thememl/2012/main" name="Office Theme" id="{62F939B6-93AF-4DB8-9C6B-D6C7DFDC589F}" vid="{4A3C46E8-61CC-4603-A589-7422A47A8E4A}"/>
+    </a:ext>
+  </a:extLst>
+</a:theme>
 </file>